--- a/slides/Deep learning on ML Engine.pptx
+++ b/slides/Deep learning on ML Engine.pptx
@@ -42,23 +42,25 @@
     <p:sldId id="287" r:id="rId37"/>
     <p:sldId id="288" r:id="rId38"/>
     <p:sldId id="289" r:id="rId39"/>
+    <p:sldId id="290" r:id="rId40"/>
+    <p:sldId id="291" r:id="rId41"/>
   </p:sldIdLst>
   <p:sldSz cy="5143500" cx="9144000"/>
   <p:notesSz cx="6858000" cy="9144000"/>
   <p:embeddedFontLst>
     <p:embeddedFont>
       <p:font typeface="Helvetica Neue"/>
-      <p:regular r:id="rId40"/>
-      <p:bold r:id="rId41"/>
-      <p:italic r:id="rId42"/>
-      <p:boldItalic r:id="rId43"/>
+      <p:regular r:id="rId42"/>
+      <p:bold r:id="rId43"/>
+      <p:italic r:id="rId44"/>
+      <p:boldItalic r:id="rId45"/>
     </p:embeddedFont>
     <p:embeddedFont>
       <p:font typeface="Helvetica Neue Light"/>
-      <p:regular r:id="rId44"/>
-      <p:bold r:id="rId45"/>
-      <p:italic r:id="rId46"/>
-      <p:boldItalic r:id="rId47"/>
+      <p:regular r:id="rId46"/>
+      <p:bold r:id="rId47"/>
+      <p:italic r:id="rId48"/>
+      <p:boldItalic r:id="rId49"/>
     </p:embeddedFont>
   </p:embeddedFontLst>
   <p:defaultTextStyle>
@@ -851,7 +853,7 @@
       </p:grpSpPr>
       <p:sp>
         <p:nvSpPr>
-          <p:cNvPr id="151" name="Google Shape;151;g44d47f5218_1_17:notes"/>
+          <p:cNvPr id="151" name="Google Shape;151;g44e928fb3e_0_80:notes"/>
           <p:cNvSpPr/>
           <p:nvPr>
             <p:ph idx="2" type="sldImg"/>
@@ -886,7 +888,7 @@
       </p:sp>
       <p:sp>
         <p:nvSpPr>
-          <p:cNvPr id="152" name="Google Shape;152;g44d47f5218_1_17:notes"/>
+          <p:cNvPr id="152" name="Google Shape;152;g44e928fb3e_0_80:notes"/>
           <p:cNvSpPr txBox="1"/>
           <p:nvPr>
             <p:ph idx="1" type="body"/>
@@ -936,7 +938,7 @@
   <p:cSld>
     <p:spTree>
       <p:nvGrpSpPr>
-        <p:cNvPr id="155" name="Shape 155"/>
+        <p:cNvPr id="156" name="Shape 156"/>
         <p:cNvGrpSpPr/>
         <p:nvPr/>
       </p:nvGrpSpPr>
@@ -950,7 +952,7 @@
       </p:grpSpPr>
       <p:sp>
         <p:nvSpPr>
-          <p:cNvPr id="156" name="Google Shape;156;g44e928fb3e_0_31:notes"/>
+          <p:cNvPr id="157" name="Google Shape;157;g44d47f5218_1_17:notes"/>
           <p:cNvSpPr/>
           <p:nvPr>
             <p:ph idx="2" type="sldImg"/>
@@ -985,7 +987,7 @@
       </p:sp>
       <p:sp>
         <p:nvSpPr>
-          <p:cNvPr id="157" name="Google Shape;157;g44e928fb3e_0_31:notes"/>
+          <p:cNvPr id="158" name="Google Shape;158;g44d47f5218_1_17:notes"/>
           <p:cNvSpPr txBox="1"/>
           <p:nvPr>
             <p:ph idx="1" type="body"/>
@@ -1035,7 +1037,7 @@
   <p:cSld>
     <p:spTree>
       <p:nvGrpSpPr>
-        <p:cNvPr id="162" name="Shape 162"/>
+        <p:cNvPr id="161" name="Shape 161"/>
         <p:cNvGrpSpPr/>
         <p:nvPr/>
       </p:nvGrpSpPr>
@@ -1049,7 +1051,7 @@
       </p:grpSpPr>
       <p:sp>
         <p:nvSpPr>
-          <p:cNvPr id="163" name="Google Shape;163;g44182289e8_0_0:notes"/>
+          <p:cNvPr id="162" name="Google Shape;162;g44e928fb3e_0_31:notes"/>
           <p:cNvSpPr/>
           <p:nvPr>
             <p:ph idx="2" type="sldImg"/>
@@ -1084,7 +1086,7 @@
       </p:sp>
       <p:sp>
         <p:nvSpPr>
-          <p:cNvPr id="164" name="Google Shape;164;g44182289e8_0_0:notes"/>
+          <p:cNvPr id="163" name="Google Shape;163;g44e928fb3e_0_31:notes"/>
           <p:cNvSpPr txBox="1"/>
           <p:nvPr>
             <p:ph idx="1" type="body"/>
@@ -1134,7 +1136,7 @@
   <p:cSld>
     <p:spTree>
       <p:nvGrpSpPr>
-        <p:cNvPr id="167" name="Shape 167"/>
+        <p:cNvPr id="168" name="Shape 168"/>
         <p:cNvGrpSpPr/>
         <p:nvPr/>
       </p:nvGrpSpPr>
@@ -1148,7 +1150,7 @@
       </p:grpSpPr>
       <p:sp>
         <p:nvSpPr>
-          <p:cNvPr id="168" name="Google Shape;168;g44d47f5218_1_0:notes"/>
+          <p:cNvPr id="169" name="Google Shape;169;g44182289e8_0_0:notes"/>
           <p:cNvSpPr/>
           <p:nvPr>
             <p:ph idx="2" type="sldImg"/>
@@ -1183,7 +1185,7 @@
       </p:sp>
       <p:sp>
         <p:nvSpPr>
-          <p:cNvPr id="169" name="Google Shape;169;g44d47f5218_1_0:notes"/>
+          <p:cNvPr id="170" name="Google Shape;170;g44182289e8_0_0:notes"/>
           <p:cNvSpPr txBox="1"/>
           <p:nvPr>
             <p:ph idx="1" type="body"/>
@@ -1233,7 +1235,7 @@
   <p:cSld>
     <p:spTree>
       <p:nvGrpSpPr>
-        <p:cNvPr id="172" name="Shape 172"/>
+        <p:cNvPr id="173" name="Shape 173"/>
         <p:cNvGrpSpPr/>
         <p:nvPr/>
       </p:nvGrpSpPr>
@@ -1247,7 +1249,7 @@
       </p:grpSpPr>
       <p:sp>
         <p:nvSpPr>
-          <p:cNvPr id="173" name="Google Shape;173;g44e928fb3e_0_54:notes"/>
+          <p:cNvPr id="174" name="Google Shape;174;g44d47f5218_1_0:notes"/>
           <p:cNvSpPr/>
           <p:nvPr>
             <p:ph idx="2" type="sldImg"/>
@@ -1282,7 +1284,7 @@
       </p:sp>
       <p:sp>
         <p:nvSpPr>
-          <p:cNvPr id="174" name="Google Shape;174;g44e928fb3e_0_54:notes"/>
+          <p:cNvPr id="175" name="Google Shape;175;g44d47f5218_1_0:notes"/>
           <p:cNvSpPr txBox="1"/>
           <p:nvPr>
             <p:ph idx="1" type="body"/>
@@ -1332,7 +1334,7 @@
   <p:cSld>
     <p:spTree>
       <p:nvGrpSpPr>
-        <p:cNvPr id="177" name="Shape 177"/>
+        <p:cNvPr id="178" name="Shape 178"/>
         <p:cNvGrpSpPr/>
         <p:nvPr/>
       </p:nvGrpSpPr>
@@ -1346,7 +1348,7 @@
       </p:grpSpPr>
       <p:sp>
         <p:nvSpPr>
-          <p:cNvPr id="178" name="Google Shape;178;g44d47f5218_1_38:notes"/>
+          <p:cNvPr id="179" name="Google Shape;179;g44e928fb3e_0_54:notes"/>
           <p:cNvSpPr/>
           <p:nvPr>
             <p:ph idx="2" type="sldImg"/>
@@ -1381,7 +1383,7 @@
       </p:sp>
       <p:sp>
         <p:nvSpPr>
-          <p:cNvPr id="179" name="Google Shape;179;g44d47f5218_1_38:notes"/>
+          <p:cNvPr id="180" name="Google Shape;180;g44e928fb3e_0_54:notes"/>
           <p:cNvSpPr txBox="1"/>
           <p:nvPr>
             <p:ph idx="1" type="body"/>
@@ -1445,7 +1447,7 @@
       </p:grpSpPr>
       <p:sp>
         <p:nvSpPr>
-          <p:cNvPr id="184" name="Google Shape;184;g44e928fb3e_0_95:notes"/>
+          <p:cNvPr id="184" name="Google Shape;184;g44d47f5218_1_38:notes"/>
           <p:cNvSpPr/>
           <p:nvPr>
             <p:ph idx="2" type="sldImg"/>
@@ -1480,7 +1482,7 @@
       </p:sp>
       <p:sp>
         <p:nvSpPr>
-          <p:cNvPr id="185" name="Google Shape;185;g44e928fb3e_0_95:notes"/>
+          <p:cNvPr id="185" name="Google Shape;185;g44d47f5218_1_38:notes"/>
           <p:cNvSpPr txBox="1"/>
           <p:nvPr>
             <p:ph idx="1" type="body"/>
@@ -1544,7 +1546,7 @@
       </p:grpSpPr>
       <p:sp>
         <p:nvSpPr>
-          <p:cNvPr id="190" name="Google Shape;190;g44e928fb3e_0_100:notes"/>
+          <p:cNvPr id="190" name="Google Shape;190;g44e928fb3e_0_95:notes"/>
           <p:cNvSpPr/>
           <p:nvPr>
             <p:ph idx="2" type="sldImg"/>
@@ -1579,7 +1581,7 @@
       </p:sp>
       <p:sp>
         <p:nvSpPr>
-          <p:cNvPr id="191" name="Google Shape;191;g44e928fb3e_0_100:notes"/>
+          <p:cNvPr id="191" name="Google Shape;191;g44e928fb3e_0_95:notes"/>
           <p:cNvSpPr txBox="1"/>
           <p:nvPr>
             <p:ph idx="1" type="body"/>
@@ -1643,7 +1645,7 @@
       </p:grpSpPr>
       <p:sp>
         <p:nvSpPr>
-          <p:cNvPr id="196" name="Google Shape;196;g44e928fb3e_0_90:notes"/>
+          <p:cNvPr id="196" name="Google Shape;196;g44e928fb3e_0_100:notes"/>
           <p:cNvSpPr/>
           <p:nvPr>
             <p:ph idx="2" type="sldImg"/>
@@ -1678,7 +1680,7 @@
       </p:sp>
       <p:sp>
         <p:nvSpPr>
-          <p:cNvPr id="197" name="Google Shape;197;g44e928fb3e_0_90:notes"/>
+          <p:cNvPr id="197" name="Google Shape;197;g44e928fb3e_0_100:notes"/>
           <p:cNvSpPr txBox="1"/>
           <p:nvPr>
             <p:ph idx="1" type="body"/>
@@ -1742,7 +1744,7 @@
       </p:grpSpPr>
       <p:sp>
         <p:nvSpPr>
-          <p:cNvPr id="202" name="Google Shape;202;g44d47f5218_1_44:notes"/>
+          <p:cNvPr id="202" name="Google Shape;202;g44e928fb3e_0_90:notes"/>
           <p:cNvSpPr/>
           <p:nvPr>
             <p:ph idx="2" type="sldImg"/>
@@ -1777,7 +1779,7 @@
       </p:sp>
       <p:sp>
         <p:nvSpPr>
-          <p:cNvPr id="203" name="Google Shape;203;g44d47f5218_1_44:notes"/>
+          <p:cNvPr id="203" name="Google Shape;203;g44e928fb3e_0_90:notes"/>
           <p:cNvSpPr txBox="1"/>
           <p:nvPr>
             <p:ph idx="1" type="body"/>
@@ -1926,7 +1928,7 @@
   <p:cSld>
     <p:spTree>
       <p:nvGrpSpPr>
-        <p:cNvPr id="206" name="Shape 206"/>
+        <p:cNvPr id="207" name="Shape 207"/>
         <p:cNvGrpSpPr/>
         <p:nvPr/>
       </p:nvGrpSpPr>
@@ -1940,7 +1942,7 @@
       </p:grpSpPr>
       <p:sp>
         <p:nvSpPr>
-          <p:cNvPr id="207" name="Google Shape;207;g44d47f5218_1_59:notes"/>
+          <p:cNvPr id="208" name="Google Shape;208;g44d47f5218_1_44:notes"/>
           <p:cNvSpPr/>
           <p:nvPr>
             <p:ph idx="2" type="sldImg"/>
@@ -1975,7 +1977,7 @@
       </p:sp>
       <p:sp>
         <p:nvSpPr>
-          <p:cNvPr id="208" name="Google Shape;208;g44d47f5218_1_59:notes"/>
+          <p:cNvPr id="209" name="Google Shape;209;g44d47f5218_1_44:notes"/>
           <p:cNvSpPr txBox="1"/>
           <p:nvPr>
             <p:ph idx="1" type="body"/>
@@ -2039,7 +2041,7 @@
       </p:grpSpPr>
       <p:sp>
         <p:nvSpPr>
-          <p:cNvPr id="213" name="Google Shape;213;g44e928fb3e_0_110:notes"/>
+          <p:cNvPr id="213" name="Google Shape;213;g44d47f5218_1_59:notes"/>
           <p:cNvSpPr/>
           <p:nvPr>
             <p:ph idx="2" type="sldImg"/>
@@ -2074,7 +2076,7 @@
       </p:sp>
       <p:sp>
         <p:nvSpPr>
-          <p:cNvPr id="214" name="Google Shape;214;g44e928fb3e_0_110:notes"/>
+          <p:cNvPr id="214" name="Google Shape;214;g44d47f5218_1_59:notes"/>
           <p:cNvSpPr txBox="1"/>
           <p:nvPr>
             <p:ph idx="1" type="body"/>
@@ -2138,7 +2140,7 @@
       </p:grpSpPr>
       <p:sp>
         <p:nvSpPr>
-          <p:cNvPr id="219" name="Google Shape;219;g44d47f5218_1_66:notes"/>
+          <p:cNvPr id="219" name="Google Shape;219;g44e928fb3e_0_110:notes"/>
           <p:cNvSpPr/>
           <p:nvPr>
             <p:ph idx="2" type="sldImg"/>
@@ -2173,7 +2175,7 @@
       </p:sp>
       <p:sp>
         <p:nvSpPr>
-          <p:cNvPr id="220" name="Google Shape;220;g44d47f5218_1_66:notes"/>
+          <p:cNvPr id="220" name="Google Shape;220;g44e928fb3e_0_110:notes"/>
           <p:cNvSpPr txBox="1"/>
           <p:nvPr>
             <p:ph idx="1" type="body"/>
@@ -2237,7 +2239,7 @@
       </p:grpSpPr>
       <p:sp>
         <p:nvSpPr>
-          <p:cNvPr id="225" name="Google Shape;225;g44d47f5218_1_71:notes"/>
+          <p:cNvPr id="225" name="Google Shape;225;g44d47f5218_1_66:notes"/>
           <p:cNvSpPr/>
           <p:nvPr>
             <p:ph idx="2" type="sldImg"/>
@@ -2272,7 +2274,7 @@
       </p:sp>
       <p:sp>
         <p:nvSpPr>
-          <p:cNvPr id="226" name="Google Shape;226;g44d47f5218_1_71:notes"/>
+          <p:cNvPr id="226" name="Google Shape;226;g44d47f5218_1_66:notes"/>
           <p:cNvSpPr txBox="1"/>
           <p:nvPr>
             <p:ph idx="1" type="body"/>
@@ -2322,7 +2324,7 @@
   <p:cSld>
     <p:spTree>
       <p:nvGrpSpPr>
-        <p:cNvPr id="231" name="Shape 231"/>
+        <p:cNvPr id="230" name="Shape 230"/>
         <p:cNvGrpSpPr/>
         <p:nvPr/>
       </p:nvGrpSpPr>
@@ -2336,7 +2338,7 @@
       </p:grpSpPr>
       <p:sp>
         <p:nvSpPr>
-          <p:cNvPr id="232" name="Google Shape;232;g47f8b32e44_0_24:notes"/>
+          <p:cNvPr id="231" name="Google Shape;231;g44d47f5218_1_71:notes"/>
           <p:cNvSpPr/>
           <p:nvPr>
             <p:ph idx="2" type="sldImg"/>
@@ -2371,7 +2373,7 @@
       </p:sp>
       <p:sp>
         <p:nvSpPr>
-          <p:cNvPr id="233" name="Google Shape;233;g47f8b32e44_0_24:notes"/>
+          <p:cNvPr id="232" name="Google Shape;232;g44d47f5218_1_71:notes"/>
           <p:cNvSpPr txBox="1"/>
           <p:nvPr>
             <p:ph idx="1" type="body"/>
@@ -2421,7 +2423,7 @@
   <p:cSld>
     <p:spTree>
       <p:nvGrpSpPr>
-        <p:cNvPr id="238" name="Shape 238"/>
+        <p:cNvPr id="237" name="Shape 237"/>
         <p:cNvGrpSpPr/>
         <p:nvPr/>
       </p:nvGrpSpPr>
@@ -2435,7 +2437,7 @@
       </p:grpSpPr>
       <p:sp>
         <p:nvSpPr>
-          <p:cNvPr id="239" name="Google Shape;239;g44e928fb3e_0_117:notes"/>
+          <p:cNvPr id="238" name="Google Shape;238;g47f8b32e44_0_24:notes"/>
           <p:cNvSpPr/>
           <p:nvPr>
             <p:ph idx="2" type="sldImg"/>
@@ -2470,7 +2472,7 @@
       </p:sp>
       <p:sp>
         <p:nvSpPr>
-          <p:cNvPr id="240" name="Google Shape;240;g44e928fb3e_0_117:notes"/>
+          <p:cNvPr id="239" name="Google Shape;239;g47f8b32e44_0_24:notes"/>
           <p:cNvSpPr txBox="1"/>
           <p:nvPr>
             <p:ph idx="1" type="body"/>
@@ -2520,7 +2522,7 @@
   <p:cSld>
     <p:spTree>
       <p:nvGrpSpPr>
-        <p:cNvPr id="245" name="Shape 245"/>
+        <p:cNvPr id="244" name="Shape 244"/>
         <p:cNvGrpSpPr/>
         <p:nvPr/>
       </p:nvGrpSpPr>
@@ -2534,7 +2536,7 @@
       </p:grpSpPr>
       <p:sp>
         <p:nvSpPr>
-          <p:cNvPr id="246" name="Google Shape;246;g44e928fb3e_0_124:notes"/>
+          <p:cNvPr id="245" name="Google Shape;245;g44e928fb3e_0_117:notes"/>
           <p:cNvSpPr/>
           <p:nvPr>
             <p:ph idx="2" type="sldImg"/>
@@ -2569,7 +2571,7 @@
       </p:sp>
       <p:sp>
         <p:nvSpPr>
-          <p:cNvPr id="247" name="Google Shape;247;g44e928fb3e_0_124:notes"/>
+          <p:cNvPr id="246" name="Google Shape;246;g44e928fb3e_0_117:notes"/>
           <p:cNvSpPr txBox="1"/>
           <p:nvPr>
             <p:ph idx="1" type="body"/>
@@ -2633,7 +2635,7 @@
       </p:grpSpPr>
       <p:sp>
         <p:nvSpPr>
-          <p:cNvPr id="252" name="Google Shape;252;g44e928fb3e_0_129:notes"/>
+          <p:cNvPr id="252" name="Google Shape;252;g493ab71760_1_5:notes"/>
           <p:cNvSpPr/>
           <p:nvPr>
             <p:ph idx="2" type="sldImg"/>
@@ -2668,7 +2670,7 @@
       </p:sp>
       <p:sp>
         <p:nvSpPr>
-          <p:cNvPr id="253" name="Google Shape;253;g44e928fb3e_0_129:notes"/>
+          <p:cNvPr id="253" name="Google Shape;253;g493ab71760_1_5:notes"/>
           <p:cNvSpPr txBox="1"/>
           <p:nvPr>
             <p:ph idx="1" type="body"/>
@@ -2718,7 +2720,7 @@
   <p:cSld>
     <p:spTree>
       <p:nvGrpSpPr>
-        <p:cNvPr id="257" name="Shape 257"/>
+        <p:cNvPr id="258" name="Shape 258"/>
         <p:cNvGrpSpPr/>
         <p:nvPr/>
       </p:nvGrpSpPr>
@@ -2732,7 +2734,7 @@
       </p:grpSpPr>
       <p:sp>
         <p:nvSpPr>
-          <p:cNvPr id="258" name="Google Shape;258;g44e928fb3e_0_135:notes"/>
+          <p:cNvPr id="259" name="Google Shape;259;g44e928fb3e_0_124:notes"/>
           <p:cNvSpPr/>
           <p:nvPr>
             <p:ph idx="2" type="sldImg"/>
@@ -2767,7 +2769,7 @@
       </p:sp>
       <p:sp>
         <p:nvSpPr>
-          <p:cNvPr id="259" name="Google Shape;259;g44e928fb3e_0_135:notes"/>
+          <p:cNvPr id="260" name="Google Shape;260;g44e928fb3e_0_124:notes"/>
           <p:cNvSpPr txBox="1"/>
           <p:nvPr>
             <p:ph idx="1" type="body"/>
@@ -2831,7 +2833,7 @@
       </p:grpSpPr>
       <p:sp>
         <p:nvSpPr>
-          <p:cNvPr id="265" name="Google Shape;265;g44e928fb3e_0_141:notes"/>
+          <p:cNvPr id="265" name="Google Shape;265;g44e928fb3e_0_129:notes"/>
           <p:cNvSpPr/>
           <p:nvPr>
             <p:ph idx="2" type="sldImg"/>
@@ -2866,7 +2868,7 @@
       </p:sp>
       <p:sp>
         <p:nvSpPr>
-          <p:cNvPr id="266" name="Google Shape;266;g44e928fb3e_0_141:notes"/>
+          <p:cNvPr id="266" name="Google Shape;266;g44e928fb3e_0_129:notes"/>
           <p:cNvSpPr txBox="1"/>
           <p:nvPr>
             <p:ph idx="1" type="body"/>
@@ -3015,7 +3017,7 @@
   <p:cSld>
     <p:spTree>
       <p:nvGrpSpPr>
-        <p:cNvPr id="271" name="Shape 271"/>
+        <p:cNvPr id="270" name="Shape 270"/>
         <p:cNvGrpSpPr/>
         <p:nvPr/>
       </p:nvGrpSpPr>
@@ -3029,7 +3031,7 @@
       </p:grpSpPr>
       <p:sp>
         <p:nvSpPr>
-          <p:cNvPr id="272" name="Google Shape;272;g44d47f5218_1_77:notes"/>
+          <p:cNvPr id="271" name="Google Shape;271;g44e928fb3e_0_135:notes"/>
           <p:cNvSpPr/>
           <p:nvPr>
             <p:ph idx="2" type="sldImg"/>
@@ -3064,7 +3066,7 @@
       </p:sp>
       <p:sp>
         <p:nvSpPr>
-          <p:cNvPr id="273" name="Google Shape;273;g44d47f5218_1_77:notes"/>
+          <p:cNvPr id="272" name="Google Shape;272;g44e928fb3e_0_135:notes"/>
           <p:cNvSpPr txBox="1"/>
           <p:nvPr>
             <p:ph idx="1" type="body"/>
@@ -3128,7 +3130,7 @@
       </p:grpSpPr>
       <p:sp>
         <p:nvSpPr>
-          <p:cNvPr id="278" name="Google Shape;278;g44d47f5218_1_82:notes"/>
+          <p:cNvPr id="278" name="Google Shape;278;g44e928fb3e_0_141:notes"/>
           <p:cNvSpPr/>
           <p:nvPr>
             <p:ph idx="2" type="sldImg"/>
@@ -3163,7 +3165,7 @@
       </p:sp>
       <p:sp>
         <p:nvSpPr>
-          <p:cNvPr id="279" name="Google Shape;279;g44d47f5218_1_82:notes"/>
+          <p:cNvPr id="279" name="Google Shape;279;g44e928fb3e_0_141:notes"/>
           <p:cNvSpPr txBox="1"/>
           <p:nvPr>
             <p:ph idx="1" type="body"/>
@@ -3227,7 +3229,7 @@
       </p:grpSpPr>
       <p:sp>
         <p:nvSpPr>
-          <p:cNvPr id="285" name="Google Shape;285;g44d47f5218_1_88:notes"/>
+          <p:cNvPr id="285" name="Google Shape;285;g44d47f5218_1_77:notes"/>
           <p:cNvSpPr/>
           <p:nvPr>
             <p:ph idx="2" type="sldImg"/>
@@ -3262,7 +3264,7 @@
       </p:sp>
       <p:sp>
         <p:nvSpPr>
-          <p:cNvPr id="286" name="Google Shape;286;g44d47f5218_1_88:notes"/>
+          <p:cNvPr id="286" name="Google Shape;286;g44d47f5218_1_77:notes"/>
           <p:cNvSpPr txBox="1"/>
           <p:nvPr>
             <p:ph idx="1" type="body"/>
@@ -3312,7 +3314,7 @@
   <p:cSld>
     <p:spTree>
       <p:nvGrpSpPr>
-        <p:cNvPr id="291" name="Shape 291"/>
+        <p:cNvPr id="290" name="Shape 290"/>
         <p:cNvGrpSpPr/>
         <p:nvPr/>
       </p:nvGrpSpPr>
@@ -3326,7 +3328,7 @@
       </p:grpSpPr>
       <p:sp>
         <p:nvSpPr>
-          <p:cNvPr id="292" name="Google Shape;292;g44f3641052_0_0:notes"/>
+          <p:cNvPr id="291" name="Google Shape;291;g44d47f5218_1_82:notes"/>
           <p:cNvSpPr/>
           <p:nvPr>
             <p:ph idx="2" type="sldImg"/>
@@ -3361,7 +3363,7 @@
       </p:sp>
       <p:sp>
         <p:nvSpPr>
-          <p:cNvPr id="293" name="Google Shape;293;g44f3641052_0_0:notes"/>
+          <p:cNvPr id="292" name="Google Shape;292;g44d47f5218_1_82:notes"/>
           <p:cNvSpPr txBox="1"/>
           <p:nvPr>
             <p:ph idx="1" type="body"/>
@@ -3411,7 +3413,7 @@
   <p:cSld>
     <p:spTree>
       <p:nvGrpSpPr>
-        <p:cNvPr id="298" name="Shape 298"/>
+        <p:cNvPr id="297" name="Shape 297"/>
         <p:cNvGrpSpPr/>
         <p:nvPr/>
       </p:nvGrpSpPr>
@@ -3425,7 +3427,7 @@
       </p:grpSpPr>
       <p:sp>
         <p:nvSpPr>
-          <p:cNvPr id="299" name="Google Shape;299;g44d47f5218_1_98:notes"/>
+          <p:cNvPr id="298" name="Google Shape;298;g44d47f5218_1_88:notes"/>
           <p:cNvSpPr/>
           <p:nvPr>
             <p:ph idx="2" type="sldImg"/>
@@ -3460,7 +3462,205 @@
       </p:sp>
       <p:sp>
         <p:nvSpPr>
-          <p:cNvPr id="300" name="Google Shape;300;g44d47f5218_1_98:notes"/>
+          <p:cNvPr id="299" name="Google Shape;299;g44d47f5218_1_88:notes"/>
+          <p:cNvSpPr txBox="1"/>
+          <p:nvPr>
+            <p:ph idx="1" type="body"/>
+          </p:nvPr>
+        </p:nvSpPr>
+        <p:spPr>
+          <a:xfrm>
+            <a:off x="685800" y="4343400"/>
+            <a:ext cx="5486400" cy="4114800"/>
+          </a:xfrm>
+          <a:prstGeom prst="rect">
+            <a:avLst/>
+          </a:prstGeom>
+        </p:spPr>
+        <p:txBody>
+          <a:bodyPr anchorCtr="0" anchor="t" bIns="91425" lIns="91425" spcFirstLastPara="1" rIns="91425" wrap="square" tIns="91425">
+            <a:noAutofit/>
+          </a:bodyPr>
+          <a:lstStyle/>
+          <a:p>
+            <a:pPr indent="0" lvl="0" marL="0" rtl="0" algn="l">
+              <a:spcBef>
+                <a:spcPts val="0"/>
+              </a:spcBef>
+              <a:spcAft>
+                <a:spcPts val="0"/>
+              </a:spcAft>
+              <a:buNone/>
+            </a:pPr>
+            <a:r>
+              <a:t/>
+            </a:r>
+            <a:endParaRPr/>
+          </a:p>
+        </p:txBody>
+      </p:sp>
+    </p:spTree>
+  </p:cSld>
+  <p:clrMapOvr>
+    <a:masterClrMapping/>
+  </p:clrMapOvr>
+</p:notes>
+</file>
+
+<file path=ppt/notesSlides/notesSlide35.xml><?xml version="1.0" encoding="utf-8"?>
+<p:notes xmlns:a="http://schemas.openxmlformats.org/drawingml/2006/main" xmlns:r="http://schemas.openxmlformats.org/officeDocument/2006/relationships" xmlns:mc="http://schemas.openxmlformats.org/markup-compatibility/2006" xmlns:mv="urn:schemas-microsoft-com:mac:vml" xmlns:p="http://schemas.openxmlformats.org/presentationml/2006/main" xmlns:c="http://schemas.openxmlformats.org/drawingml/2006/chart" xmlns:dgm="http://schemas.openxmlformats.org/drawingml/2006/diagram" xmlns:o="urn:schemas-microsoft-com:office:office" xmlns:v="urn:schemas-microsoft-com:vml" xmlns:pvml="urn:schemas-microsoft-com:office:powerpoint" xmlns:com="http://schemas.openxmlformats.org/drawingml/2006/compatibility" xmlns:p14="http://schemas.microsoft.com/office/powerpoint/2010/main" xmlns:p15="http://schemas.microsoft.com/office/powerpoint/2012/main" showMasterPhAnim="0" showMasterSp="0">
+  <p:cSld>
+    <p:spTree>
+      <p:nvGrpSpPr>
+        <p:cNvPr id="304" name="Shape 304"/>
+        <p:cNvGrpSpPr/>
+        <p:nvPr/>
+      </p:nvGrpSpPr>
+      <p:grpSpPr>
+        <a:xfrm>
+          <a:off x="0" y="0"/>
+          <a:ext cx="0" cy="0"/>
+          <a:chOff x="0" y="0"/>
+          <a:chExt cx="0" cy="0"/>
+        </a:xfrm>
+      </p:grpSpPr>
+      <p:sp>
+        <p:nvSpPr>
+          <p:cNvPr id="305" name="Google Shape;305;g44f3641052_0_0:notes"/>
+          <p:cNvSpPr/>
+          <p:nvPr>
+            <p:ph idx="2" type="sldImg"/>
+          </p:nvPr>
+        </p:nvSpPr>
+        <p:spPr>
+          <a:xfrm>
+            <a:off x="381300" y="685800"/>
+            <a:ext cx="6096000" cy="3429000"/>
+          </a:xfrm>
+          <a:custGeom>
+            <a:rect b="b" l="l" r="r" t="t"/>
+            <a:pathLst>
+              <a:path extrusionOk="0" h="120000" w="120000">
+                <a:moveTo>
+                  <a:pt x="0" y="0"/>
+                </a:moveTo>
+                <a:lnTo>
+                  <a:pt x="120000" y="0"/>
+                </a:lnTo>
+                <a:lnTo>
+                  <a:pt x="120000" y="120000"/>
+                </a:lnTo>
+                <a:lnTo>
+                  <a:pt x="0" y="120000"/>
+                </a:lnTo>
+                <a:close/>
+              </a:path>
+            </a:pathLst>
+          </a:custGeom>
+        </p:spPr>
+      </p:sp>
+      <p:sp>
+        <p:nvSpPr>
+          <p:cNvPr id="306" name="Google Shape;306;g44f3641052_0_0:notes"/>
+          <p:cNvSpPr txBox="1"/>
+          <p:nvPr>
+            <p:ph idx="1" type="body"/>
+          </p:nvPr>
+        </p:nvSpPr>
+        <p:spPr>
+          <a:xfrm>
+            <a:off x="685800" y="4343400"/>
+            <a:ext cx="5486400" cy="4114800"/>
+          </a:xfrm>
+          <a:prstGeom prst="rect">
+            <a:avLst/>
+          </a:prstGeom>
+        </p:spPr>
+        <p:txBody>
+          <a:bodyPr anchorCtr="0" anchor="t" bIns="91425" lIns="91425" spcFirstLastPara="1" rIns="91425" wrap="square" tIns="91425">
+            <a:noAutofit/>
+          </a:bodyPr>
+          <a:lstStyle/>
+          <a:p>
+            <a:pPr indent="0" lvl="0" marL="0" rtl="0" algn="l">
+              <a:spcBef>
+                <a:spcPts val="0"/>
+              </a:spcBef>
+              <a:spcAft>
+                <a:spcPts val="0"/>
+              </a:spcAft>
+              <a:buNone/>
+            </a:pPr>
+            <a:r>
+              <a:t/>
+            </a:r>
+            <a:endParaRPr/>
+          </a:p>
+        </p:txBody>
+      </p:sp>
+    </p:spTree>
+  </p:cSld>
+  <p:clrMapOvr>
+    <a:masterClrMapping/>
+  </p:clrMapOvr>
+</p:notes>
+</file>
+
+<file path=ppt/notesSlides/notesSlide36.xml><?xml version="1.0" encoding="utf-8"?>
+<p:notes xmlns:a="http://schemas.openxmlformats.org/drawingml/2006/main" xmlns:r="http://schemas.openxmlformats.org/officeDocument/2006/relationships" xmlns:mc="http://schemas.openxmlformats.org/markup-compatibility/2006" xmlns:mv="urn:schemas-microsoft-com:mac:vml" xmlns:p="http://schemas.openxmlformats.org/presentationml/2006/main" xmlns:c="http://schemas.openxmlformats.org/drawingml/2006/chart" xmlns:dgm="http://schemas.openxmlformats.org/drawingml/2006/diagram" xmlns:o="urn:schemas-microsoft-com:office:office" xmlns:v="urn:schemas-microsoft-com:vml" xmlns:pvml="urn:schemas-microsoft-com:office:powerpoint" xmlns:com="http://schemas.openxmlformats.org/drawingml/2006/compatibility" xmlns:p14="http://schemas.microsoft.com/office/powerpoint/2010/main" xmlns:p15="http://schemas.microsoft.com/office/powerpoint/2012/main" showMasterPhAnim="0" showMasterSp="0">
+  <p:cSld>
+    <p:spTree>
+      <p:nvGrpSpPr>
+        <p:cNvPr id="311" name="Shape 311"/>
+        <p:cNvGrpSpPr/>
+        <p:nvPr/>
+      </p:nvGrpSpPr>
+      <p:grpSpPr>
+        <a:xfrm>
+          <a:off x="0" y="0"/>
+          <a:ext cx="0" cy="0"/>
+          <a:chOff x="0" y="0"/>
+          <a:chExt cx="0" cy="0"/>
+        </a:xfrm>
+      </p:grpSpPr>
+      <p:sp>
+        <p:nvSpPr>
+          <p:cNvPr id="312" name="Google Shape;312;g44d47f5218_1_98:notes"/>
+          <p:cNvSpPr/>
+          <p:nvPr>
+            <p:ph idx="2" type="sldImg"/>
+          </p:nvPr>
+        </p:nvSpPr>
+        <p:spPr>
+          <a:xfrm>
+            <a:off x="381300" y="685800"/>
+            <a:ext cx="6096000" cy="3429000"/>
+          </a:xfrm>
+          <a:custGeom>
+            <a:rect b="b" l="l" r="r" t="t"/>
+            <a:pathLst>
+              <a:path extrusionOk="0" h="120000" w="120000">
+                <a:moveTo>
+                  <a:pt x="0" y="0"/>
+                </a:moveTo>
+                <a:lnTo>
+                  <a:pt x="120000" y="0"/>
+                </a:lnTo>
+                <a:lnTo>
+                  <a:pt x="120000" y="120000"/>
+                </a:lnTo>
+                <a:lnTo>
+                  <a:pt x="0" y="120000"/>
+                </a:lnTo>
+                <a:close/>
+              </a:path>
+            </a:pathLst>
+          </a:custGeom>
+        </p:spPr>
+      </p:sp>
+      <p:sp>
+        <p:nvSpPr>
+          <p:cNvPr id="313" name="Google Shape;313;g44d47f5218_1_98:notes"/>
           <p:cNvSpPr txBox="1"/>
           <p:nvPr>
             <p:ph idx="1" type="body"/>
@@ -3722,7 +3922,7 @@
       </p:grpSpPr>
       <p:sp>
         <p:nvSpPr>
-          <p:cNvPr id="127" name="Google Shape;127;g44e928fb3e_0_65:notes"/>
+          <p:cNvPr id="127" name="Google Shape;127;g493ab71760_1_0:notes"/>
           <p:cNvSpPr/>
           <p:nvPr>
             <p:ph idx="2" type="sldImg"/>
@@ -3757,7 +3957,7 @@
       </p:sp>
       <p:sp>
         <p:nvSpPr>
-          <p:cNvPr id="128" name="Google Shape;128;g44e928fb3e_0_65:notes"/>
+          <p:cNvPr id="128" name="Google Shape;128;g493ab71760_1_0:notes"/>
           <p:cNvSpPr txBox="1"/>
           <p:nvPr>
             <p:ph idx="1" type="body"/>
@@ -3821,7 +4021,7 @@
       </p:grpSpPr>
       <p:sp>
         <p:nvSpPr>
-          <p:cNvPr id="133" name="Google Shape;133;g44e928fb3e_0_70:notes"/>
+          <p:cNvPr id="133" name="Google Shape;133;g44e928fb3e_0_65:notes"/>
           <p:cNvSpPr/>
           <p:nvPr>
             <p:ph idx="2" type="sldImg"/>
@@ -3856,7 +4056,7 @@
       </p:sp>
       <p:sp>
         <p:nvSpPr>
-          <p:cNvPr id="134" name="Google Shape;134;g44e928fb3e_0_70:notes"/>
+          <p:cNvPr id="134" name="Google Shape;134;g44e928fb3e_0_65:notes"/>
           <p:cNvSpPr txBox="1"/>
           <p:nvPr>
             <p:ph idx="1" type="body"/>
@@ -3920,7 +4120,7 @@
       </p:grpSpPr>
       <p:sp>
         <p:nvSpPr>
-          <p:cNvPr id="139" name="Google Shape;139;g44e928fb3e_0_75:notes"/>
+          <p:cNvPr id="139" name="Google Shape;139;g44e928fb3e_0_70:notes"/>
           <p:cNvSpPr/>
           <p:nvPr>
             <p:ph idx="2" type="sldImg"/>
@@ -3955,7 +4155,7 @@
       </p:sp>
       <p:sp>
         <p:nvSpPr>
-          <p:cNvPr id="140" name="Google Shape;140;g44e928fb3e_0_75:notes"/>
+          <p:cNvPr id="140" name="Google Shape;140;g44e928fb3e_0_70:notes"/>
           <p:cNvSpPr txBox="1"/>
           <p:nvPr>
             <p:ph idx="1" type="body"/>
@@ -4019,7 +4219,7 @@
       </p:grpSpPr>
       <p:sp>
         <p:nvSpPr>
-          <p:cNvPr id="145" name="Google Shape;145;g44e928fb3e_0_80:notes"/>
+          <p:cNvPr id="145" name="Google Shape;145;g44e928fb3e_0_75:notes"/>
           <p:cNvSpPr/>
           <p:nvPr>
             <p:ph idx="2" type="sldImg"/>
@@ -4054,7 +4254,7 @@
       </p:sp>
       <p:sp>
         <p:nvSpPr>
-          <p:cNvPr id="146" name="Google Shape;146;g44e928fb3e_0_80:notes"/>
+          <p:cNvPr id="146" name="Google Shape;146;g44e928fb3e_0_75:notes"/>
           <p:cNvSpPr txBox="1"/>
           <p:nvPr>
             <p:ph idx="1" type="body"/>
@@ -18657,6 +18857,282 @@
         </p:nvSpPr>
         <p:spPr>
           <a:xfrm>
+            <a:off x="280998" y="133350"/>
+            <a:ext cx="6834000" cy="857400"/>
+          </a:xfrm>
+          <a:prstGeom prst="rect">
+            <a:avLst/>
+          </a:prstGeom>
+        </p:spPr>
+        <p:txBody>
+          <a:bodyPr anchorCtr="0" anchor="ctr" bIns="19050" lIns="19050" spcFirstLastPara="1" rIns="19050" wrap="square" tIns="19050">
+            <a:noAutofit/>
+          </a:bodyPr>
+          <a:lstStyle/>
+          <a:p>
+            <a:pPr indent="0" lvl="0" marL="0" rtl="0" algn="l">
+              <a:spcBef>
+                <a:spcPts val="0"/>
+              </a:spcBef>
+              <a:spcAft>
+                <a:spcPts val="0"/>
+              </a:spcAft>
+              <a:buNone/>
+            </a:pPr>
+            <a:r>
+              <a:rPr lang="en"/>
+              <a:t>Why do we use ML Engine in Trust and Transparency?</a:t>
+            </a:r>
+            <a:endParaRPr/>
+          </a:p>
+        </p:txBody>
+      </p:sp>
+      <p:sp>
+        <p:nvSpPr>
+          <p:cNvPr id="155" name="Google Shape;155;p27"/>
+          <p:cNvSpPr txBox="1"/>
+          <p:nvPr>
+            <p:ph idx="1" type="body"/>
+          </p:nvPr>
+        </p:nvSpPr>
+        <p:spPr>
+          <a:xfrm>
+            <a:off x="277368" y="1190275"/>
+            <a:ext cx="5695200" cy="3088500"/>
+          </a:xfrm>
+          <a:prstGeom prst="rect">
+            <a:avLst/>
+          </a:prstGeom>
+        </p:spPr>
+        <p:txBody>
+          <a:bodyPr anchorCtr="0" anchor="t" bIns="0" lIns="0" spcFirstLastPara="1" rIns="0" wrap="square" tIns="0">
+            <a:noAutofit/>
+          </a:bodyPr>
+          <a:lstStyle/>
+          <a:p>
+            <a:pPr indent="-342900" lvl="0" marL="457200" rtl="0" algn="l">
+              <a:spcBef>
+                <a:spcPts val="0"/>
+              </a:spcBef>
+              <a:spcAft>
+                <a:spcPts val="0"/>
+              </a:spcAft>
+              <a:buClr>
+                <a:schemeClr val="lt1"/>
+              </a:buClr>
+              <a:buSzPts val="1800"/>
+              <a:buChar char="-"/>
+            </a:pPr>
+            <a:r>
+              <a:rPr lang="en" sz="1800">
+                <a:solidFill>
+                  <a:schemeClr val="lt1"/>
+                </a:solidFill>
+              </a:rPr>
+              <a:t>Train multiple models </a:t>
+            </a:r>
+            <a:r>
+              <a:rPr lang="en" sz="1800">
+                <a:solidFill>
+                  <a:schemeClr val="lt1"/>
+                </a:solidFill>
+              </a:rPr>
+              <a:t>in parallel</a:t>
+            </a:r>
+            <a:endParaRPr sz="1800">
+              <a:solidFill>
+                <a:schemeClr val="lt1"/>
+              </a:solidFill>
+            </a:endParaRPr>
+          </a:p>
+          <a:p>
+            <a:pPr indent="0" lvl="0" marL="0" rtl="0" algn="l">
+              <a:spcBef>
+                <a:spcPts val="0"/>
+              </a:spcBef>
+              <a:spcAft>
+                <a:spcPts val="0"/>
+              </a:spcAft>
+              <a:buNone/>
+            </a:pPr>
+            <a:r>
+              <a:t/>
+            </a:r>
+            <a:endParaRPr sz="1800"/>
+          </a:p>
+          <a:p>
+            <a:pPr indent="-342900" lvl="0" marL="457200" rtl="0" algn="l">
+              <a:spcBef>
+                <a:spcPts val="0"/>
+              </a:spcBef>
+              <a:spcAft>
+                <a:spcPts val="0"/>
+              </a:spcAft>
+              <a:buSzPts val="1800"/>
+              <a:buChar char="-"/>
+            </a:pPr>
+            <a:r>
+              <a:rPr lang="en" sz="1800"/>
+              <a:t>Easy access to powerful computers</a:t>
+            </a:r>
+            <a:endParaRPr sz="1800"/>
+          </a:p>
+          <a:p>
+            <a:pPr indent="0" lvl="0" marL="457200" rtl="0" algn="l">
+              <a:spcBef>
+                <a:spcPts val="0"/>
+              </a:spcBef>
+              <a:spcAft>
+                <a:spcPts val="0"/>
+              </a:spcAft>
+              <a:buNone/>
+            </a:pPr>
+            <a:r>
+              <a:t/>
+            </a:r>
+            <a:endParaRPr sz="1800"/>
+          </a:p>
+          <a:p>
+            <a:pPr indent="-342900" lvl="0" marL="457200" rtl="0" algn="l">
+              <a:spcBef>
+                <a:spcPts val="0"/>
+              </a:spcBef>
+              <a:spcAft>
+                <a:spcPts val="0"/>
+              </a:spcAft>
+              <a:buSzPts val="1800"/>
+              <a:buChar char="-"/>
+            </a:pPr>
+            <a:r>
+              <a:rPr lang="en" sz="1800"/>
+              <a:t>Easy to deploy and maintain models</a:t>
+            </a:r>
+            <a:endParaRPr sz="1800"/>
+          </a:p>
+          <a:p>
+            <a:pPr indent="0" lvl="0" marL="0" rtl="0" algn="l">
+              <a:spcBef>
+                <a:spcPts val="0"/>
+              </a:spcBef>
+              <a:spcAft>
+                <a:spcPts val="0"/>
+              </a:spcAft>
+              <a:buNone/>
+            </a:pPr>
+            <a:r>
+              <a:t/>
+            </a:r>
+            <a:endParaRPr sz="1800"/>
+          </a:p>
+          <a:p>
+            <a:pPr indent="-342900" lvl="0" marL="457200" rtl="0" algn="l">
+              <a:spcBef>
+                <a:spcPts val="0"/>
+              </a:spcBef>
+              <a:spcAft>
+                <a:spcPts val="0"/>
+              </a:spcAft>
+              <a:buSzPts val="1800"/>
+              <a:buChar char="-"/>
+            </a:pPr>
+            <a:r>
+              <a:rPr lang="en" sz="1800">
+                <a:solidFill>
+                  <a:schemeClr val="lt1"/>
+                </a:solidFill>
+              </a:rPr>
+              <a:t>Hyperparameter optimization</a:t>
+            </a:r>
+            <a:endParaRPr sz="1800">
+              <a:solidFill>
+                <a:schemeClr val="lt1"/>
+              </a:solidFill>
+            </a:endParaRPr>
+          </a:p>
+          <a:p>
+            <a:pPr indent="0" lvl="0" marL="0" rtl="0" algn="l">
+              <a:spcBef>
+                <a:spcPts val="0"/>
+              </a:spcBef>
+              <a:spcAft>
+                <a:spcPts val="0"/>
+              </a:spcAft>
+              <a:buNone/>
+            </a:pPr>
+            <a:r>
+              <a:t/>
+            </a:r>
+            <a:endParaRPr sz="1800">
+              <a:solidFill>
+                <a:schemeClr val="lt1"/>
+              </a:solidFill>
+            </a:endParaRPr>
+          </a:p>
+          <a:p>
+            <a:pPr indent="-342900" lvl="0" marL="457200" rtl="0" algn="l">
+              <a:spcBef>
+                <a:spcPts val="0"/>
+              </a:spcBef>
+              <a:spcAft>
+                <a:spcPts val="0"/>
+              </a:spcAft>
+              <a:buClr>
+                <a:srgbClr val="00B679"/>
+              </a:buClr>
+              <a:buSzPts val="1800"/>
+              <a:buChar char="-"/>
+            </a:pPr>
+            <a:r>
+              <a:rPr lang="en" sz="1800">
+                <a:solidFill>
+                  <a:srgbClr val="00B679"/>
+                </a:solidFill>
+              </a:rPr>
+              <a:t>Good ecosystem with Dataflow and BigQuery</a:t>
+            </a:r>
+            <a:endParaRPr sz="1800">
+              <a:solidFill>
+                <a:srgbClr val="00B679"/>
+              </a:solidFill>
+            </a:endParaRPr>
+          </a:p>
+        </p:txBody>
+      </p:sp>
+    </p:spTree>
+  </p:cSld>
+  <p:clrMapOvr>
+    <a:masterClrMapping/>
+  </p:clrMapOvr>
+</p:sld>
+</file>
+
+<file path=ppt/slides/slide11.xml><?xml version="1.0" encoding="utf-8"?>
+<p:sld xmlns:a="http://schemas.openxmlformats.org/drawingml/2006/main" xmlns:r="http://schemas.openxmlformats.org/officeDocument/2006/relationships" xmlns:mc="http://schemas.openxmlformats.org/markup-compatibility/2006" xmlns:mv="urn:schemas-microsoft-com:mac:vml" xmlns:p="http://schemas.openxmlformats.org/presentationml/2006/main" xmlns:c="http://schemas.openxmlformats.org/drawingml/2006/chart" xmlns:dgm="http://schemas.openxmlformats.org/drawingml/2006/diagram" xmlns:o="urn:schemas-microsoft-com:office:office" xmlns:v="urn:schemas-microsoft-com:vml" xmlns:pvml="urn:schemas-microsoft-com:office:powerpoint" xmlns:com="http://schemas.openxmlformats.org/drawingml/2006/compatibility" xmlns:p14="http://schemas.microsoft.com/office/powerpoint/2010/main" xmlns:p15="http://schemas.microsoft.com/office/powerpoint/2012/main">
+  <p:cSld>
+    <p:spTree>
+      <p:nvGrpSpPr>
+        <p:cNvPr id="159" name="Shape 159"/>
+        <p:cNvGrpSpPr/>
+        <p:nvPr/>
+      </p:nvGrpSpPr>
+      <p:grpSpPr>
+        <a:xfrm>
+          <a:off x="0" y="0"/>
+          <a:ext cx="0" cy="0"/>
+          <a:chOff x="0" y="0"/>
+          <a:chExt cx="0" cy="0"/>
+        </a:xfrm>
+      </p:grpSpPr>
+      <p:sp>
+        <p:nvSpPr>
+          <p:cNvPr id="160" name="Google Shape;160;p28"/>
+          <p:cNvSpPr txBox="1"/>
+          <p:nvPr>
+            <p:ph type="title"/>
+          </p:nvPr>
+        </p:nvSpPr>
+        <p:spPr>
+          <a:xfrm>
             <a:off x="433388" y="1580475"/>
             <a:ext cx="7877100" cy="857400"/>
           </a:xfrm>
@@ -18695,12 +19171,12 @@
 </p:sld>
 </file>
 
-<file path=ppt/slides/slide11.xml><?xml version="1.0" encoding="utf-8"?>
+<file path=ppt/slides/slide12.xml><?xml version="1.0" encoding="utf-8"?>
 <p:sld xmlns:a="http://schemas.openxmlformats.org/drawingml/2006/main" xmlns:r="http://schemas.openxmlformats.org/officeDocument/2006/relationships" xmlns:mc="http://schemas.openxmlformats.org/markup-compatibility/2006" xmlns:mv="urn:schemas-microsoft-com:mac:vml" xmlns:p="http://schemas.openxmlformats.org/presentationml/2006/main" xmlns:c="http://schemas.openxmlformats.org/drawingml/2006/chart" xmlns:dgm="http://schemas.openxmlformats.org/drawingml/2006/diagram" xmlns:o="urn:schemas-microsoft-com:office:office" xmlns:v="urn:schemas-microsoft-com:vml" xmlns:pvml="urn:schemas-microsoft-com:office:powerpoint" xmlns:com="http://schemas.openxmlformats.org/drawingml/2006/compatibility" xmlns:p14="http://schemas.microsoft.com/office/powerpoint/2010/main" xmlns:p15="http://schemas.microsoft.com/office/powerpoint/2012/main">
   <p:cSld>
     <p:spTree>
       <p:nvGrpSpPr>
-        <p:cNvPr id="158" name="Shape 158"/>
+        <p:cNvPr id="164" name="Shape 164"/>
         <p:cNvGrpSpPr/>
         <p:nvPr/>
       </p:nvGrpSpPr>
@@ -18714,7 +19190,7 @@
       </p:grpSpPr>
       <p:sp>
         <p:nvSpPr>
-          <p:cNvPr id="159" name="Google Shape;159;p28"/>
+          <p:cNvPr id="165" name="Google Shape;165;p29"/>
           <p:cNvSpPr txBox="1"/>
           <p:nvPr>
             <p:ph type="title"/>
@@ -18754,7 +19230,7 @@
       </p:sp>
       <p:sp>
         <p:nvSpPr>
-          <p:cNvPr id="160" name="Google Shape;160;p28"/>
+          <p:cNvPr id="166" name="Google Shape;166;p29"/>
           <p:cNvSpPr txBox="1"/>
           <p:nvPr>
             <p:ph idx="1" type="body"/>
@@ -18793,7 +19269,7 @@
       </p:sp>
       <p:pic>
         <p:nvPicPr>
-          <p:cNvPr id="161" name="Google Shape;161;p28"/>
+          <p:cNvPr id="167" name="Google Shape;167;p29"/>
           <p:cNvPicPr preferRelativeResize="0"/>
           <p:nvPr/>
         </p:nvPicPr>
@@ -18827,12 +19303,12 @@
 </p:sld>
 </file>
 
-<file path=ppt/slides/slide12.xml><?xml version="1.0" encoding="utf-8"?>
+<file path=ppt/slides/slide13.xml><?xml version="1.0" encoding="utf-8"?>
 <p:sld xmlns:a="http://schemas.openxmlformats.org/drawingml/2006/main" xmlns:r="http://schemas.openxmlformats.org/officeDocument/2006/relationships" xmlns:mc="http://schemas.openxmlformats.org/markup-compatibility/2006" xmlns:mv="urn:schemas-microsoft-com:mac:vml" xmlns:p="http://schemas.openxmlformats.org/presentationml/2006/main" xmlns:c="http://schemas.openxmlformats.org/drawingml/2006/chart" xmlns:dgm="http://schemas.openxmlformats.org/drawingml/2006/diagram" xmlns:o="urn:schemas-microsoft-com:office:office" xmlns:v="urn:schemas-microsoft-com:vml" xmlns:pvml="urn:schemas-microsoft-com:office:powerpoint" xmlns:com="http://schemas.openxmlformats.org/drawingml/2006/compatibility" xmlns:p14="http://schemas.microsoft.com/office/powerpoint/2010/main" xmlns:p15="http://schemas.microsoft.com/office/powerpoint/2012/main">
   <p:cSld>
     <p:spTree>
       <p:nvGrpSpPr>
-        <p:cNvPr id="165" name="Shape 165"/>
+        <p:cNvPr id="171" name="Shape 171"/>
         <p:cNvGrpSpPr/>
         <p:nvPr/>
       </p:nvGrpSpPr>
@@ -18846,7 +19322,7 @@
       </p:grpSpPr>
       <p:sp>
         <p:nvSpPr>
-          <p:cNvPr id="166" name="Google Shape;166;p29"/>
+          <p:cNvPr id="172" name="Google Shape;172;p30"/>
           <p:cNvSpPr txBox="1"/>
           <p:nvPr>
             <p:ph type="title"/>
@@ -18892,12 +19368,12 @@
 </p:sld>
 </file>
 
-<file path=ppt/slides/slide13.xml><?xml version="1.0" encoding="utf-8"?>
+<file path=ppt/slides/slide14.xml><?xml version="1.0" encoding="utf-8"?>
 <p:sld xmlns:a="http://schemas.openxmlformats.org/drawingml/2006/main" xmlns:r="http://schemas.openxmlformats.org/officeDocument/2006/relationships" xmlns:mc="http://schemas.openxmlformats.org/markup-compatibility/2006" xmlns:mv="urn:schemas-microsoft-com:mac:vml" xmlns:p="http://schemas.openxmlformats.org/presentationml/2006/main" xmlns:c="http://schemas.openxmlformats.org/drawingml/2006/chart" xmlns:dgm="http://schemas.openxmlformats.org/drawingml/2006/diagram" xmlns:o="urn:schemas-microsoft-com:office:office" xmlns:v="urn:schemas-microsoft-com:vml" xmlns:pvml="urn:schemas-microsoft-com:office:powerpoint" xmlns:com="http://schemas.openxmlformats.org/drawingml/2006/compatibility" xmlns:p14="http://schemas.microsoft.com/office/powerpoint/2010/main" xmlns:p15="http://schemas.microsoft.com/office/powerpoint/2012/main">
   <p:cSld>
     <p:spTree>
       <p:nvGrpSpPr>
-        <p:cNvPr id="170" name="Shape 170"/>
+        <p:cNvPr id="176" name="Shape 176"/>
         <p:cNvGrpSpPr/>
         <p:nvPr/>
       </p:nvGrpSpPr>
@@ -18911,7 +19387,7 @@
       </p:grpSpPr>
       <p:pic>
         <p:nvPicPr>
-          <p:cNvPr id="171" name="Google Shape;171;p30"/>
+          <p:cNvPr id="177" name="Google Shape;177;p31"/>
           <p:cNvPicPr preferRelativeResize="0"/>
           <p:nvPr/>
         </p:nvPicPr>
@@ -18945,12 +19421,12 @@
 </p:sld>
 </file>
 
-<file path=ppt/slides/slide14.xml><?xml version="1.0" encoding="utf-8"?>
+<file path=ppt/slides/slide15.xml><?xml version="1.0" encoding="utf-8"?>
 <p:sld xmlns:a="http://schemas.openxmlformats.org/drawingml/2006/main" xmlns:r="http://schemas.openxmlformats.org/officeDocument/2006/relationships" xmlns:mc="http://schemas.openxmlformats.org/markup-compatibility/2006" xmlns:mv="urn:schemas-microsoft-com:mac:vml" xmlns:p="http://schemas.openxmlformats.org/presentationml/2006/main" xmlns:c="http://schemas.openxmlformats.org/drawingml/2006/chart" xmlns:dgm="http://schemas.openxmlformats.org/drawingml/2006/diagram" xmlns:o="urn:schemas-microsoft-com:office:office" xmlns:v="urn:schemas-microsoft-com:vml" xmlns:pvml="urn:schemas-microsoft-com:office:powerpoint" xmlns:com="http://schemas.openxmlformats.org/drawingml/2006/compatibility" xmlns:p14="http://schemas.microsoft.com/office/powerpoint/2010/main" xmlns:p15="http://schemas.microsoft.com/office/powerpoint/2012/main">
   <p:cSld>
     <p:spTree>
       <p:nvGrpSpPr>
-        <p:cNvPr id="175" name="Shape 175"/>
+        <p:cNvPr id="181" name="Shape 181"/>
         <p:cNvGrpSpPr/>
         <p:nvPr/>
       </p:nvGrpSpPr>
@@ -18964,7 +19440,7 @@
       </p:grpSpPr>
       <p:sp>
         <p:nvSpPr>
-          <p:cNvPr id="176" name="Google Shape;176;p31"/>
+          <p:cNvPr id="182" name="Google Shape;182;p32"/>
           <p:cNvSpPr txBox="1"/>
           <p:nvPr>
             <p:ph type="title"/>
@@ -19013,261 +19489,6 @@
             <a:r>
               <a:rPr lang="en"/>
               <a:t>with the iterations of the spam review detector</a:t>
-            </a:r>
-            <a:endParaRPr/>
-          </a:p>
-        </p:txBody>
-      </p:sp>
-    </p:spTree>
-  </p:cSld>
-  <p:clrMapOvr>
-    <a:masterClrMapping/>
-  </p:clrMapOvr>
-</p:sld>
-</file>
-
-<file path=ppt/slides/slide15.xml><?xml version="1.0" encoding="utf-8"?>
-<p:sld xmlns:a="http://schemas.openxmlformats.org/drawingml/2006/main" xmlns:r="http://schemas.openxmlformats.org/officeDocument/2006/relationships" xmlns:mc="http://schemas.openxmlformats.org/markup-compatibility/2006" xmlns:mv="urn:schemas-microsoft-com:mac:vml" xmlns:p="http://schemas.openxmlformats.org/presentationml/2006/main" xmlns:c="http://schemas.openxmlformats.org/drawingml/2006/chart" xmlns:dgm="http://schemas.openxmlformats.org/drawingml/2006/diagram" xmlns:o="urn:schemas-microsoft-com:office:office" xmlns:v="urn:schemas-microsoft-com:vml" xmlns:pvml="urn:schemas-microsoft-com:office:powerpoint" xmlns:com="http://schemas.openxmlformats.org/drawingml/2006/compatibility" xmlns:p14="http://schemas.microsoft.com/office/powerpoint/2010/main" xmlns:p15="http://schemas.microsoft.com/office/powerpoint/2012/main">
-  <p:cSld>
-    <p:spTree>
-      <p:nvGrpSpPr>
-        <p:cNvPr id="180" name="Shape 180"/>
-        <p:cNvGrpSpPr/>
-        <p:nvPr/>
-      </p:nvGrpSpPr>
-      <p:grpSpPr>
-        <a:xfrm>
-          <a:off x="0" y="0"/>
-          <a:ext cx="0" cy="0"/>
-          <a:chOff x="0" y="0"/>
-          <a:chExt cx="0" cy="0"/>
-        </a:xfrm>
-      </p:grpSpPr>
-      <p:sp>
-        <p:nvSpPr>
-          <p:cNvPr id="181" name="Google Shape;181;p32"/>
-          <p:cNvSpPr txBox="1"/>
-          <p:nvPr>
-            <p:ph type="title"/>
-          </p:nvPr>
-        </p:nvSpPr>
-        <p:spPr>
-          <a:xfrm>
-            <a:off x="280998" y="133350"/>
-            <a:ext cx="6834000" cy="857400"/>
-          </a:xfrm>
-          <a:prstGeom prst="rect">
-            <a:avLst/>
-          </a:prstGeom>
-        </p:spPr>
-        <p:txBody>
-          <a:bodyPr anchorCtr="0" anchor="ctr" bIns="19050" lIns="19050" spcFirstLastPara="1" rIns="19050" wrap="square" tIns="19050">
-            <a:noAutofit/>
-          </a:bodyPr>
-          <a:lstStyle/>
-          <a:p>
-            <a:pPr indent="0" lvl="0" marL="0" rtl="0" algn="l">
-              <a:spcBef>
-                <a:spcPts val="0"/>
-              </a:spcBef>
-              <a:spcAft>
-                <a:spcPts val="0"/>
-              </a:spcAft>
-              <a:buNone/>
-            </a:pPr>
-            <a:r>
-              <a:rPr lang="en"/>
-              <a:t>Machine learning workflow</a:t>
-            </a:r>
-            <a:endParaRPr/>
-          </a:p>
-        </p:txBody>
-      </p:sp>
-      <p:sp>
-        <p:nvSpPr>
-          <p:cNvPr id="182" name="Google Shape;182;p32"/>
-          <p:cNvSpPr txBox="1"/>
-          <p:nvPr>
-            <p:ph idx="1" type="body"/>
-          </p:nvPr>
-        </p:nvSpPr>
-        <p:spPr>
-          <a:xfrm>
-            <a:off x="277368" y="1190275"/>
-            <a:ext cx="5695200" cy="3088500"/>
-          </a:xfrm>
-          <a:prstGeom prst="rect">
-            <a:avLst/>
-          </a:prstGeom>
-        </p:spPr>
-        <p:txBody>
-          <a:bodyPr anchorCtr="0" anchor="t" bIns="0" lIns="0" spcFirstLastPara="1" rIns="0" wrap="square" tIns="0">
-            <a:noAutofit/>
-          </a:bodyPr>
-          <a:lstStyle/>
-          <a:p>
-            <a:pPr indent="-342900" lvl="0" marL="457200" rtl="0" algn="l">
-              <a:spcBef>
-                <a:spcPts val="0"/>
-              </a:spcBef>
-              <a:spcAft>
-                <a:spcPts val="0"/>
-              </a:spcAft>
-              <a:buClr>
-                <a:srgbClr val="00B679"/>
-              </a:buClr>
-              <a:buSzPts val="1800"/>
-              <a:buChar char="-"/>
-            </a:pPr>
-            <a:r>
-              <a:rPr lang="en" sz="1800">
-                <a:solidFill>
-                  <a:srgbClr val="00B679"/>
-                </a:solidFill>
-              </a:rPr>
-              <a:t>Preprocessing - Google Dataflow</a:t>
-            </a:r>
-            <a:endParaRPr sz="1800">
-              <a:solidFill>
-                <a:srgbClr val="00B679"/>
-              </a:solidFill>
-            </a:endParaRPr>
-          </a:p>
-          <a:p>
-            <a:pPr indent="0" lvl="0" marL="0" rtl="0" algn="l">
-              <a:spcBef>
-                <a:spcPts val="0"/>
-              </a:spcBef>
-              <a:spcAft>
-                <a:spcPts val="0"/>
-              </a:spcAft>
-              <a:buNone/>
-            </a:pPr>
-            <a:r>
-              <a:t/>
-            </a:r>
-            <a:endParaRPr sz="1800"/>
-          </a:p>
-          <a:p>
-            <a:pPr indent="-342900" lvl="0" marL="457200" rtl="0" algn="l">
-              <a:spcBef>
-                <a:spcPts val="0"/>
-              </a:spcBef>
-              <a:spcAft>
-                <a:spcPts val="0"/>
-              </a:spcAft>
-              <a:buSzPts val="1800"/>
-              <a:buChar char="-"/>
-            </a:pPr>
-            <a:r>
-              <a:rPr lang="en" sz="1800"/>
-              <a:t>Training and evaluation - Google ML Engine</a:t>
-            </a:r>
-            <a:endParaRPr sz="1800"/>
-          </a:p>
-          <a:p>
-            <a:pPr indent="0" lvl="0" marL="0" rtl="0" algn="l">
-              <a:spcBef>
-                <a:spcPts val="0"/>
-              </a:spcBef>
-              <a:spcAft>
-                <a:spcPts val="0"/>
-              </a:spcAft>
-              <a:buNone/>
-            </a:pPr>
-            <a:r>
-              <a:t/>
-            </a:r>
-            <a:endParaRPr sz="1800"/>
-          </a:p>
-          <a:p>
-            <a:pPr indent="-342900" lvl="0" marL="457200" rtl="0" algn="l">
-              <a:spcBef>
-                <a:spcPts val="0"/>
-              </a:spcBef>
-              <a:spcAft>
-                <a:spcPts val="0"/>
-              </a:spcAft>
-              <a:buSzPts val="1800"/>
-              <a:buChar char="-"/>
-            </a:pPr>
-            <a:r>
-              <a:rPr lang="en" sz="1800"/>
-              <a:t>Deployment of the model - </a:t>
-            </a:r>
-            <a:r>
-              <a:rPr lang="en" sz="1800">
-                <a:solidFill>
-                  <a:schemeClr val="lt1"/>
-                </a:solidFill>
-              </a:rPr>
-              <a:t>Google ML Engine API</a:t>
-            </a:r>
-            <a:endParaRPr sz="1800">
-              <a:solidFill>
-                <a:schemeClr val="lt1"/>
-              </a:solidFill>
-            </a:endParaRPr>
-          </a:p>
-          <a:p>
-            <a:pPr indent="0" lvl="0" marL="0" rtl="0" algn="l">
-              <a:spcBef>
-                <a:spcPts val="0"/>
-              </a:spcBef>
-              <a:spcAft>
-                <a:spcPts val="0"/>
-              </a:spcAft>
-              <a:buNone/>
-            </a:pPr>
-            <a:r>
-              <a:t/>
-            </a:r>
-            <a:endParaRPr sz="1800">
-              <a:solidFill>
-                <a:schemeClr val="lt1"/>
-              </a:solidFill>
-            </a:endParaRPr>
-          </a:p>
-          <a:p>
-            <a:pPr indent="-342900" lvl="0" marL="457200" rtl="0" algn="l">
-              <a:spcBef>
-                <a:spcPts val="0"/>
-              </a:spcBef>
-              <a:spcAft>
-                <a:spcPts val="0"/>
-              </a:spcAft>
-              <a:buClr>
-                <a:schemeClr val="lt1"/>
-              </a:buClr>
-              <a:buSzPts val="1800"/>
-              <a:buChar char="-"/>
-            </a:pPr>
-            <a:r>
-              <a:rPr lang="en" sz="1800">
-                <a:solidFill>
-                  <a:schemeClr val="lt1"/>
-                </a:solidFill>
-              </a:rPr>
-              <a:t>Batch prediction (2nd part of evaluation) - Google ML Engine</a:t>
-            </a:r>
-            <a:endParaRPr sz="1800">
-              <a:solidFill>
-                <a:schemeClr val="lt1"/>
-              </a:solidFill>
-            </a:endParaRPr>
-          </a:p>
-          <a:p>
-            <a:pPr indent="0" lvl="0" marL="0" rtl="0" algn="l">
-              <a:spcBef>
-                <a:spcPts val="0"/>
-              </a:spcBef>
-              <a:spcAft>
-                <a:spcPts val="0"/>
-              </a:spcAft>
-              <a:buNone/>
-            </a:pPr>
-            <a:r>
-              <a:t/>
             </a:r>
             <a:endParaRPr/>
           </a:p>
@@ -19368,14 +19589,25 @@
               <a:spcAft>
                 <a:spcPts val="0"/>
               </a:spcAft>
+              <a:buClr>
+                <a:srgbClr val="00B679"/>
+              </a:buClr>
               <a:buSzPts val="1800"/>
               <a:buChar char="-"/>
             </a:pPr>
             <a:r>
-              <a:rPr lang="en" sz="1800"/>
+              <a:rPr lang="en" sz="1800">
+                <a:solidFill>
+                  <a:srgbClr val="00B679"/>
+                </a:solidFill>
+              </a:rPr>
               <a:t>Preprocessing - Google Dataflow</a:t>
             </a:r>
-            <a:endParaRPr sz="1800"/>
+            <a:endParaRPr sz="1800">
+              <a:solidFill>
+                <a:srgbClr val="00B679"/>
+              </a:solidFill>
+            </a:endParaRPr>
           </a:p>
           <a:p>
             <a:pPr indent="0" lvl="0" marL="0" rtl="0" algn="l">
@@ -19400,25 +19632,14 @@
               <a:spcAft>
                 <a:spcPts val="0"/>
               </a:spcAft>
-              <a:buClr>
-                <a:srgbClr val="00B679"/>
-              </a:buClr>
               <a:buSzPts val="1800"/>
               <a:buChar char="-"/>
             </a:pPr>
             <a:r>
-              <a:rPr lang="en" sz="1800">
-                <a:solidFill>
-                  <a:srgbClr val="00B679"/>
-                </a:solidFill>
-              </a:rPr>
+              <a:rPr lang="en" sz="1800"/>
               <a:t>Training and evaluation - Google ML Engine</a:t>
             </a:r>
-            <a:endParaRPr sz="1800">
-              <a:solidFill>
-                <a:srgbClr val="00B679"/>
-              </a:solidFill>
-            </a:endParaRPr>
+            <a:endParaRPr sz="1800"/>
           </a:p>
           <a:p>
             <a:pPr indent="0" lvl="0" marL="0" rtl="0" algn="l">
@@ -19655,14 +19876,25 @@
               <a:spcAft>
                 <a:spcPts val="0"/>
               </a:spcAft>
+              <a:buClr>
+                <a:srgbClr val="00B679"/>
+              </a:buClr>
               <a:buSzPts val="1800"/>
               <a:buChar char="-"/>
             </a:pPr>
             <a:r>
-              <a:rPr lang="en" sz="1800"/>
+              <a:rPr lang="en" sz="1800">
+                <a:solidFill>
+                  <a:srgbClr val="00B679"/>
+                </a:solidFill>
+              </a:rPr>
               <a:t>Training and evaluation - Google ML Engine</a:t>
             </a:r>
-            <a:endParaRPr sz="1800"/>
+            <a:endParaRPr sz="1800">
+              <a:solidFill>
+                <a:srgbClr val="00B679"/>
+              </a:solidFill>
+            </a:endParaRPr>
           </a:p>
           <a:p>
             <a:pPr indent="0" lvl="0" marL="0" rtl="0" algn="l">
@@ -19687,23 +19919,24 @@
               <a:spcAft>
                 <a:spcPts val="0"/>
               </a:spcAft>
-              <a:buClr>
-                <a:srgbClr val="00B679"/>
-              </a:buClr>
               <a:buSzPts val="1800"/>
               <a:buChar char="-"/>
             </a:pPr>
             <a:r>
+              <a:rPr lang="en" sz="1800"/>
+              <a:t>Deployment of the model - </a:t>
+            </a:r>
+            <a:r>
               <a:rPr lang="en" sz="1800">
                 <a:solidFill>
-                  <a:srgbClr val="00B679"/>
+                  <a:schemeClr val="lt1"/>
                 </a:solidFill>
               </a:rPr>
-              <a:t>Deployment of the model - Google ML Engine API</a:t>
+              <a:t>Google ML Engine API</a:t>
             </a:r>
             <a:endParaRPr sz="1800">
               <a:solidFill>
-                <a:srgbClr val="00B679"/>
+                <a:schemeClr val="lt1"/>
               </a:solidFill>
             </a:endParaRPr>
           </a:p>
@@ -19930,24 +20163,23 @@
               <a:spcAft>
                 <a:spcPts val="0"/>
               </a:spcAft>
+              <a:buClr>
+                <a:srgbClr val="00B679"/>
+              </a:buClr>
               <a:buSzPts val="1800"/>
               <a:buChar char="-"/>
             </a:pPr>
             <a:r>
-              <a:rPr lang="en" sz="1800"/>
-              <a:t>Deployment of the model - </a:t>
-            </a:r>
-            <a:r>
               <a:rPr lang="en" sz="1800">
                 <a:solidFill>
-                  <a:schemeClr val="lt1"/>
+                  <a:srgbClr val="00B679"/>
                 </a:solidFill>
               </a:rPr>
-              <a:t>Google ML Engine API</a:t>
+              <a:t>Deployment of the model - Google ML Engine API</a:t>
             </a:r>
             <a:endParaRPr sz="1800">
               <a:solidFill>
-                <a:schemeClr val="lt1"/>
+                <a:srgbClr val="00B679"/>
               </a:solidFill>
             </a:endParaRPr>
           </a:p>
@@ -19979,7 +20211,7 @@
                 <a:spcPts val="0"/>
               </a:spcAft>
               <a:buClr>
-                <a:srgbClr val="00B679"/>
+                <a:schemeClr val="lt1"/>
               </a:buClr>
               <a:buSzPts val="1800"/>
               <a:buChar char="-"/>
@@ -19987,16 +20219,31 @@
             <a:r>
               <a:rPr lang="en" sz="1800">
                 <a:solidFill>
-                  <a:srgbClr val="00B679"/>
+                  <a:schemeClr val="lt1"/>
                 </a:solidFill>
               </a:rPr>
               <a:t>Batch prediction (2nd part of evaluation) - Google ML Engine</a:t>
             </a:r>
-            <a:endParaRPr>
+            <a:endParaRPr sz="1800">
               <a:solidFill>
-                <a:srgbClr val="00B679"/>
+                <a:schemeClr val="lt1"/>
               </a:solidFill>
             </a:endParaRPr>
+          </a:p>
+          <a:p>
+            <a:pPr indent="0" lvl="0" marL="0" rtl="0" algn="l">
+              <a:spcBef>
+                <a:spcPts val="0"/>
+              </a:spcBef>
+              <a:spcAft>
+                <a:spcPts val="0"/>
+              </a:spcAft>
+              <a:buNone/>
+            </a:pPr>
+            <a:r>
+              <a:t/>
+            </a:r>
+            <a:endParaRPr/>
           </a:p>
         </p:txBody>
       </p:sp>
@@ -20035,8 +20282,8 @@
         </p:nvSpPr>
         <p:spPr>
           <a:xfrm>
-            <a:off x="433388" y="1580475"/>
-            <a:ext cx="7877100" cy="857400"/>
+            <a:off x="280998" y="133350"/>
+            <a:ext cx="6834000" cy="857400"/>
           </a:xfrm>
           <a:prstGeom prst="rect">
             <a:avLst/>
@@ -20059,9 +20306,173 @@
             </a:pPr>
             <a:r>
               <a:rPr lang="en"/>
-              <a:t>A tutorial on training neural networks with Keras on ML Engine  </a:t>
+              <a:t>Machine learning workflow</a:t>
             </a:r>
             <a:endParaRPr/>
+          </a:p>
+        </p:txBody>
+      </p:sp>
+      <p:sp>
+        <p:nvSpPr>
+          <p:cNvPr id="206" name="Google Shape;206;p36"/>
+          <p:cNvSpPr txBox="1"/>
+          <p:nvPr>
+            <p:ph idx="1" type="body"/>
+          </p:nvPr>
+        </p:nvSpPr>
+        <p:spPr>
+          <a:xfrm>
+            <a:off x="277368" y="1190275"/>
+            <a:ext cx="5695200" cy="3088500"/>
+          </a:xfrm>
+          <a:prstGeom prst="rect">
+            <a:avLst/>
+          </a:prstGeom>
+        </p:spPr>
+        <p:txBody>
+          <a:bodyPr anchorCtr="0" anchor="t" bIns="0" lIns="0" spcFirstLastPara="1" rIns="0" wrap="square" tIns="0">
+            <a:noAutofit/>
+          </a:bodyPr>
+          <a:lstStyle/>
+          <a:p>
+            <a:pPr indent="-342900" lvl="0" marL="457200" rtl="0" algn="l">
+              <a:spcBef>
+                <a:spcPts val="0"/>
+              </a:spcBef>
+              <a:spcAft>
+                <a:spcPts val="0"/>
+              </a:spcAft>
+              <a:buSzPts val="1800"/>
+              <a:buChar char="-"/>
+            </a:pPr>
+            <a:r>
+              <a:rPr lang="en" sz="1800"/>
+              <a:t>Preprocessing - Google Dataflow</a:t>
+            </a:r>
+            <a:endParaRPr sz="1800"/>
+          </a:p>
+          <a:p>
+            <a:pPr indent="0" lvl="0" marL="0" rtl="0" algn="l">
+              <a:spcBef>
+                <a:spcPts val="0"/>
+              </a:spcBef>
+              <a:spcAft>
+                <a:spcPts val="0"/>
+              </a:spcAft>
+              <a:buNone/>
+            </a:pPr>
+            <a:r>
+              <a:t/>
+            </a:r>
+            <a:endParaRPr sz="1800"/>
+          </a:p>
+          <a:p>
+            <a:pPr indent="-342900" lvl="0" marL="457200" rtl="0" algn="l">
+              <a:spcBef>
+                <a:spcPts val="0"/>
+              </a:spcBef>
+              <a:spcAft>
+                <a:spcPts val="0"/>
+              </a:spcAft>
+              <a:buSzPts val="1800"/>
+              <a:buChar char="-"/>
+            </a:pPr>
+            <a:r>
+              <a:rPr lang="en" sz="1800"/>
+              <a:t>Training and evaluation - Google ML Engine</a:t>
+            </a:r>
+            <a:endParaRPr sz="1800"/>
+          </a:p>
+          <a:p>
+            <a:pPr indent="0" lvl="0" marL="0" rtl="0" algn="l">
+              <a:spcBef>
+                <a:spcPts val="0"/>
+              </a:spcBef>
+              <a:spcAft>
+                <a:spcPts val="0"/>
+              </a:spcAft>
+              <a:buNone/>
+            </a:pPr>
+            <a:r>
+              <a:t/>
+            </a:r>
+            <a:endParaRPr sz="1800"/>
+          </a:p>
+          <a:p>
+            <a:pPr indent="-342900" lvl="0" marL="457200" rtl="0" algn="l">
+              <a:spcBef>
+                <a:spcPts val="0"/>
+              </a:spcBef>
+              <a:spcAft>
+                <a:spcPts val="0"/>
+              </a:spcAft>
+              <a:buSzPts val="1800"/>
+              <a:buChar char="-"/>
+            </a:pPr>
+            <a:r>
+              <a:rPr lang="en" sz="1800"/>
+              <a:t>Deployment of the model - </a:t>
+            </a:r>
+            <a:r>
+              <a:rPr lang="en" sz="1800">
+                <a:solidFill>
+                  <a:schemeClr val="lt1"/>
+                </a:solidFill>
+              </a:rPr>
+              <a:t>Google ML Engine API</a:t>
+            </a:r>
+            <a:endParaRPr sz="1800">
+              <a:solidFill>
+                <a:schemeClr val="lt1"/>
+              </a:solidFill>
+            </a:endParaRPr>
+          </a:p>
+          <a:p>
+            <a:pPr indent="0" lvl="0" marL="0" rtl="0" algn="l">
+              <a:spcBef>
+                <a:spcPts val="0"/>
+              </a:spcBef>
+              <a:spcAft>
+                <a:spcPts val="0"/>
+              </a:spcAft>
+              <a:buNone/>
+            </a:pPr>
+            <a:r>
+              <a:t/>
+            </a:r>
+            <a:endParaRPr sz="1800">
+              <a:solidFill>
+                <a:schemeClr val="lt1"/>
+              </a:solidFill>
+            </a:endParaRPr>
+          </a:p>
+          <a:p>
+            <a:pPr indent="-342900" lvl="0" marL="457200" rtl="0" algn="l">
+              <a:spcBef>
+                <a:spcPts val="0"/>
+              </a:spcBef>
+              <a:spcAft>
+                <a:spcPts val="0"/>
+              </a:spcAft>
+              <a:buClr>
+                <a:srgbClr val="00B679"/>
+              </a:buClr>
+              <a:buSzPts val="1800"/>
+              <a:buChar char="-"/>
+            </a:pPr>
+            <a:r>
+              <a:rPr lang="en" sz="1800">
+                <a:solidFill>
+                  <a:srgbClr val="00B679"/>
+                </a:solidFill>
+              </a:rPr>
+              <a:t>Batch prediction (2nd part of evaluation) - Google ML Engine</a:t>
+            </a:r>
+            <a:endParaRPr>
+              <a:solidFill>
+                <a:srgbClr val="00B679"/>
+              </a:solidFill>
+            </a:endParaRPr>
           </a:p>
         </p:txBody>
       </p:sp>
@@ -20221,7 +20632,7 @@
   <p:cSld>
     <p:spTree>
       <p:nvGrpSpPr>
-        <p:cNvPr id="209" name="Shape 209"/>
+        <p:cNvPr id="210" name="Shape 210"/>
         <p:cNvGrpSpPr/>
         <p:nvPr/>
       </p:nvGrpSpPr>
@@ -20235,7 +20646,7 @@
       </p:grpSpPr>
       <p:sp>
         <p:nvSpPr>
-          <p:cNvPr id="210" name="Google Shape;210;p37"/>
+          <p:cNvPr id="211" name="Google Shape;211;p37"/>
           <p:cNvSpPr txBox="1"/>
           <p:nvPr>
             <p:ph type="title"/>
@@ -20243,8 +20654,8 @@
         </p:nvSpPr>
         <p:spPr>
           <a:xfrm>
-            <a:off x="280998" y="133350"/>
-            <a:ext cx="6834000" cy="857400"/>
+            <a:off x="433388" y="1580475"/>
+            <a:ext cx="7877100" cy="857400"/>
           </a:xfrm>
           <a:prstGeom prst="rect">
             <a:avLst/>
@@ -20267,112 +20678,9 @@
             </a:pPr>
             <a:r>
               <a:rPr lang="en"/>
-              <a:t>Example application: Classification of newsgroups</a:t>
+              <a:t>A tutorial on training neural networks with Keras on ML Engine  </a:t>
             </a:r>
             <a:endParaRPr/>
-          </a:p>
-        </p:txBody>
-      </p:sp>
-      <p:sp>
-        <p:nvSpPr>
-          <p:cNvPr id="211" name="Google Shape;211;p37"/>
-          <p:cNvSpPr txBox="1"/>
-          <p:nvPr>
-            <p:ph idx="1" type="body"/>
-          </p:nvPr>
-        </p:nvSpPr>
-        <p:spPr>
-          <a:xfrm>
-            <a:off x="277368" y="1190275"/>
-            <a:ext cx="5695200" cy="3088500"/>
-          </a:xfrm>
-          <a:prstGeom prst="rect">
-            <a:avLst/>
-          </a:prstGeom>
-        </p:spPr>
-        <p:txBody>
-          <a:bodyPr anchorCtr="0" anchor="t" bIns="0" lIns="0" spcFirstLastPara="1" rIns="0" wrap="square" tIns="0">
-            <a:noAutofit/>
-          </a:bodyPr>
-          <a:lstStyle/>
-          <a:p>
-            <a:pPr indent="0" lvl="0" marL="0" rtl="0" algn="l">
-              <a:spcBef>
-                <a:spcPts val="0"/>
-              </a:spcBef>
-              <a:spcAft>
-                <a:spcPts val="0"/>
-              </a:spcAft>
-              <a:buNone/>
-            </a:pPr>
-            <a:r>
-              <a:rPr lang="en" sz="1800"/>
-              <a:t>Public Dataset:</a:t>
-            </a:r>
-            <a:endParaRPr sz="1800"/>
-          </a:p>
-          <a:p>
-            <a:pPr indent="0" lvl="0" marL="0" rtl="0" algn="l">
-              <a:spcBef>
-                <a:spcPts val="0"/>
-              </a:spcBef>
-              <a:spcAft>
-                <a:spcPts val="0"/>
-              </a:spcAft>
-              <a:buNone/>
-            </a:pPr>
-            <a:r>
-              <a:rPr lang="en" sz="1800"/>
-              <a:t>http://qwone.com/~jason/20Newsgroups/</a:t>
-            </a:r>
-            <a:endParaRPr sz="1800"/>
-          </a:p>
-          <a:p>
-            <a:pPr indent="0" lvl="0" marL="0" rtl="0" algn="l">
-              <a:spcBef>
-                <a:spcPts val="0"/>
-              </a:spcBef>
-              <a:spcAft>
-                <a:spcPts val="0"/>
-              </a:spcAft>
-              <a:buNone/>
-            </a:pPr>
-            <a:r>
-              <a:t/>
-            </a:r>
-            <a:endParaRPr sz="1800"/>
-          </a:p>
-          <a:p>
-            <a:pPr indent="0" lvl="0" marL="0" rtl="0" algn="l">
-              <a:spcBef>
-                <a:spcPts val="0"/>
-              </a:spcBef>
-              <a:spcAft>
-                <a:spcPts val="0"/>
-              </a:spcAft>
-              <a:buNone/>
-            </a:pPr>
-            <a:r>
-              <a:rPr lang="en" sz="1800"/>
-              <a:t>Code:</a:t>
-            </a:r>
-            <a:endParaRPr sz="1800"/>
-          </a:p>
-          <a:p>
-            <a:pPr indent="0" lvl="0" marL="0" rtl="0" algn="l">
-              <a:spcBef>
-                <a:spcPts val="0"/>
-              </a:spcBef>
-              <a:spcAft>
-                <a:spcPts val="0"/>
-              </a:spcAft>
-              <a:buNone/>
-            </a:pPr>
-            <a:r>
-              <a:rPr lang="en" sz="1800"/>
-              <a:t>https://github.com/tothbalazs0920/ml-engine-example</a:t>
-            </a:r>
-            <a:endParaRPr sz="1800"/>
           </a:p>
         </p:txBody>
       </p:sp>
@@ -20435,7 +20743,7 @@
             </a:pPr>
             <a:r>
               <a:rPr lang="en"/>
-              <a:t>Use only 4 groups</a:t>
+              <a:t>Example application: Classification of newsgroups</a:t>
             </a:r>
             <a:endParaRPr/>
           </a:p>
@@ -20464,128 +20772,36 @@
           </a:bodyPr>
           <a:lstStyle/>
           <a:p>
-            <a:pPr indent="-342900" lvl="0" marL="457200" rtl="0" algn="l">
-              <a:lnSpc>
-                <a:spcPct val="135714"/>
-              </a:lnSpc>
-              <a:spcBef>
-                <a:spcPts val="0"/>
-              </a:spcBef>
-              <a:spcAft>
-                <a:spcPts val="0"/>
-              </a:spcAft>
-              <a:buClr>
-                <a:schemeClr val="lt1"/>
-              </a:buClr>
-              <a:buSzPts val="1800"/>
-              <a:buChar char="-"/>
+            <a:pPr indent="0" lvl="0" marL="0" rtl="0" algn="l">
+              <a:spcBef>
+                <a:spcPts val="0"/>
+              </a:spcBef>
+              <a:spcAft>
+                <a:spcPts val="0"/>
+              </a:spcAft>
+              <a:buNone/>
             </a:pPr>
             <a:r>
-              <a:rPr lang="en" sz="1800">
-                <a:solidFill>
-                  <a:schemeClr val="lt1"/>
-                </a:solidFill>
-              </a:rPr>
-              <a:t>atheism</a:t>
+              <a:rPr lang="en" sz="1800"/>
+              <a:t>Public Dataset:</a:t>
             </a:r>
-            <a:endParaRPr sz="1800">
-              <a:solidFill>
-                <a:schemeClr val="lt1"/>
-              </a:solidFill>
-            </a:endParaRPr>
+            <a:endParaRPr sz="1800"/>
           </a:p>
           <a:p>
-            <a:pPr indent="-342900" lvl="0" marL="457200" rtl="0" algn="l">
-              <a:lnSpc>
-                <a:spcPct val="135714"/>
-              </a:lnSpc>
-              <a:spcBef>
-                <a:spcPts val="0"/>
-              </a:spcBef>
-              <a:spcAft>
-                <a:spcPts val="0"/>
-              </a:spcAft>
-              <a:buClr>
-                <a:schemeClr val="lt1"/>
-              </a:buClr>
-              <a:buSzPts val="1800"/>
-              <a:buChar char="-"/>
+            <a:pPr indent="0" lvl="0" marL="0" rtl="0" algn="l">
+              <a:spcBef>
+                <a:spcPts val="0"/>
+              </a:spcBef>
+              <a:spcAft>
+                <a:spcPts val="0"/>
+              </a:spcAft>
+              <a:buNone/>
             </a:pPr>
             <a:r>
-              <a:rPr lang="en" sz="1800">
-                <a:solidFill>
-                  <a:schemeClr val="lt1"/>
-                </a:solidFill>
-              </a:rPr>
-              <a:t>religion</a:t>
+              <a:rPr lang="en" sz="1800"/>
+              <a:t>http://qwone.com/~jason/20Newsgroups/</a:t>
             </a:r>
-            <a:endParaRPr sz="1800">
-              <a:solidFill>
-                <a:schemeClr val="lt1"/>
-              </a:solidFill>
-            </a:endParaRPr>
-          </a:p>
-          <a:p>
-            <a:pPr indent="-342900" lvl="0" marL="457200" rtl="0" algn="l">
-              <a:lnSpc>
-                <a:spcPct val="135714"/>
-              </a:lnSpc>
-              <a:spcBef>
-                <a:spcPts val="0"/>
-              </a:spcBef>
-              <a:spcAft>
-                <a:spcPts val="0"/>
-              </a:spcAft>
-              <a:buClr>
-                <a:schemeClr val="lt1"/>
-              </a:buClr>
-              <a:buSzPts val="1800"/>
-              <a:buChar char="-"/>
-            </a:pPr>
-            <a:r>
-              <a:rPr lang="en" sz="1800">
-                <a:solidFill>
-                  <a:schemeClr val="lt1"/>
-                </a:solidFill>
-              </a:rPr>
-              <a:t>graphics</a:t>
-            </a:r>
-            <a:endParaRPr sz="1800">
-              <a:solidFill>
-                <a:schemeClr val="lt1"/>
-              </a:solidFill>
-            </a:endParaRPr>
-          </a:p>
-          <a:p>
-            <a:pPr indent="-342900" lvl="0" marL="457200" rtl="0" algn="l">
-              <a:lnSpc>
-                <a:spcPct val="135714"/>
-              </a:lnSpc>
-              <a:spcBef>
-                <a:spcPts val="0"/>
-              </a:spcBef>
-              <a:spcAft>
-                <a:spcPts val="0"/>
-              </a:spcAft>
-              <a:buClr>
-                <a:schemeClr val="lt1"/>
-              </a:buClr>
-              <a:buSzPts val="1800"/>
-              <a:buChar char="-"/>
-            </a:pPr>
-            <a:r>
-              <a:rPr lang="en" sz="1800">
-                <a:solidFill>
-                  <a:schemeClr val="lt1"/>
-                </a:solidFill>
-              </a:rPr>
-              <a:t>science</a:t>
-            </a:r>
-            <a:endParaRPr sz="1800">
-              <a:solidFill>
-                <a:schemeClr val="lt1"/>
-              </a:solidFill>
-            </a:endParaRPr>
+            <a:endParaRPr sz="1800"/>
           </a:p>
           <a:p>
             <a:pPr indent="0" lvl="0" marL="0" rtl="0" algn="l">
@@ -20600,7 +20816,39 @@
             <a:r>
               <a:t/>
             </a:r>
-            <a:endParaRPr/>
+            <a:endParaRPr sz="1800"/>
+          </a:p>
+          <a:p>
+            <a:pPr indent="0" lvl="0" marL="0" rtl="0" algn="l">
+              <a:spcBef>
+                <a:spcPts val="0"/>
+              </a:spcBef>
+              <a:spcAft>
+                <a:spcPts val="0"/>
+              </a:spcAft>
+              <a:buNone/>
+            </a:pPr>
+            <a:r>
+              <a:rPr lang="en" sz="1800"/>
+              <a:t>Code:</a:t>
+            </a:r>
+            <a:endParaRPr sz="1800"/>
+          </a:p>
+          <a:p>
+            <a:pPr indent="0" lvl="0" marL="0" rtl="0" algn="l">
+              <a:spcBef>
+                <a:spcPts val="0"/>
+              </a:spcBef>
+              <a:spcAft>
+                <a:spcPts val="0"/>
+              </a:spcAft>
+              <a:buNone/>
+            </a:pPr>
+            <a:r>
+              <a:rPr lang="en" sz="1800"/>
+              <a:t>https://github.com/tothbalazs0920/ml-engine-example</a:t>
+            </a:r>
+            <a:endParaRPr sz="1800"/>
           </a:p>
         </p:txBody>
       </p:sp>
@@ -20652,19 +20900,18 @@
           </a:bodyPr>
           <a:lstStyle/>
           <a:p>
-            <a:pPr indent="-419100" lvl="0" marL="457200" rtl="0" algn="l">
-              <a:spcBef>
-                <a:spcPts val="0"/>
-              </a:spcBef>
-              <a:spcAft>
-                <a:spcPts val="0"/>
-              </a:spcAft>
-              <a:buSzPts val="3000"/>
-              <a:buAutoNum type="arabicPeriod"/>
+            <a:pPr indent="0" lvl="0" marL="0" rtl="0" algn="l">
+              <a:spcBef>
+                <a:spcPts val="0"/>
+              </a:spcBef>
+              <a:spcAft>
+                <a:spcPts val="0"/>
+              </a:spcAft>
+              <a:buNone/>
             </a:pPr>
             <a:r>
               <a:rPr lang="en"/>
-              <a:t>Setup a project on Google Cloud Console</a:t>
+              <a:t>Use only 4 groups</a:t>
             </a:r>
             <a:endParaRPr/>
           </a:p>
@@ -20695,78 +20942,141 @@
           <a:p>
             <a:pPr indent="-342900" lvl="0" marL="457200" rtl="0" algn="l">
               <a:lnSpc>
-                <a:spcPct val="150000"/>
-              </a:lnSpc>
-              <a:spcBef>
-                <a:spcPts val="0"/>
-              </a:spcBef>
-              <a:spcAft>
-                <a:spcPts val="0"/>
-              </a:spcAft>
+                <a:spcPct val="135714"/>
+              </a:lnSpc>
+              <a:spcBef>
+                <a:spcPts val="0"/>
+              </a:spcBef>
+              <a:spcAft>
+                <a:spcPts val="0"/>
+              </a:spcAft>
+              <a:buClr>
+                <a:schemeClr val="lt1"/>
+              </a:buClr>
               <a:buSzPts val="1800"/>
               <a:buChar char="-"/>
             </a:pPr>
             <a:r>
               <a:rPr lang="en" sz="1800">
                 <a:solidFill>
-                  <a:srgbClr val="D9D9D9"/>
-                </a:solidFill>
-                <a:latin typeface="Arial"/>
-                <a:ea typeface="Arial"/>
-                <a:cs typeface="Arial"/>
-                <a:sym typeface="Arial"/>
+                  <a:schemeClr val="lt1"/>
+                </a:solidFill>
               </a:rPr>
-              <a:t>Enable ML Angine API’s</a:t>
+              <a:t>atheism</a:t>
             </a:r>
             <a:endParaRPr sz="1800">
               <a:solidFill>
-                <a:srgbClr val="D9D9D9"/>
+                <a:schemeClr val="lt1"/>
               </a:solidFill>
-              <a:latin typeface="Arial"/>
-              <a:ea typeface="Arial"/>
-              <a:cs typeface="Arial"/>
-              <a:sym typeface="Arial"/>
             </a:endParaRPr>
           </a:p>
           <a:p>
             <a:pPr indent="-342900" lvl="0" marL="457200" rtl="0" algn="l">
               <a:lnSpc>
-                <a:spcPct val="150000"/>
-              </a:lnSpc>
-              <a:spcBef>
-                <a:spcPts val="0"/>
-              </a:spcBef>
-              <a:spcAft>
-                <a:spcPts val="0"/>
-              </a:spcAft>
-              <a:buClr>
-                <a:srgbClr val="D9D9D9"/>
+                <a:spcPct val="135714"/>
+              </a:lnSpc>
+              <a:spcBef>
+                <a:spcPts val="0"/>
+              </a:spcBef>
+              <a:spcAft>
+                <a:spcPts val="0"/>
+              </a:spcAft>
+              <a:buClr>
+                <a:schemeClr val="lt1"/>
               </a:buClr>
               <a:buSzPts val="1800"/>
-              <a:buFont typeface="Arial"/>
               <a:buChar char="-"/>
             </a:pPr>
             <a:r>
               <a:rPr lang="en" sz="1800">
                 <a:solidFill>
-                  <a:srgbClr val="D9D9D9"/>
-                </a:solidFill>
-                <a:latin typeface="Arial"/>
-                <a:ea typeface="Arial"/>
-                <a:cs typeface="Arial"/>
-                <a:sym typeface="Arial"/>
+                  <a:schemeClr val="lt1"/>
+                </a:solidFill>
               </a:rPr>
-              <a:t>Install Google cloud command line tools</a:t>
+              <a:t>religion</a:t>
             </a:r>
             <a:endParaRPr sz="1800">
               <a:solidFill>
-                <a:srgbClr val="D9D9D9"/>
+                <a:schemeClr val="lt1"/>
               </a:solidFill>
-              <a:latin typeface="Arial"/>
-              <a:ea typeface="Arial"/>
-              <a:cs typeface="Arial"/>
-              <a:sym typeface="Arial"/>
             </a:endParaRPr>
+          </a:p>
+          <a:p>
+            <a:pPr indent="-342900" lvl="0" marL="457200" rtl="0" algn="l">
+              <a:lnSpc>
+                <a:spcPct val="135714"/>
+              </a:lnSpc>
+              <a:spcBef>
+                <a:spcPts val="0"/>
+              </a:spcBef>
+              <a:spcAft>
+                <a:spcPts val="0"/>
+              </a:spcAft>
+              <a:buClr>
+                <a:schemeClr val="lt1"/>
+              </a:buClr>
+              <a:buSzPts val="1800"/>
+              <a:buChar char="-"/>
+            </a:pPr>
+            <a:r>
+              <a:rPr lang="en" sz="1800">
+                <a:solidFill>
+                  <a:schemeClr val="lt1"/>
+                </a:solidFill>
+              </a:rPr>
+              <a:t>graphics</a:t>
+            </a:r>
+            <a:endParaRPr sz="1800">
+              <a:solidFill>
+                <a:schemeClr val="lt1"/>
+              </a:solidFill>
+            </a:endParaRPr>
+          </a:p>
+          <a:p>
+            <a:pPr indent="-342900" lvl="0" marL="457200" rtl="0" algn="l">
+              <a:lnSpc>
+                <a:spcPct val="135714"/>
+              </a:lnSpc>
+              <a:spcBef>
+                <a:spcPts val="0"/>
+              </a:spcBef>
+              <a:spcAft>
+                <a:spcPts val="0"/>
+              </a:spcAft>
+              <a:buClr>
+                <a:schemeClr val="lt1"/>
+              </a:buClr>
+              <a:buSzPts val="1800"/>
+              <a:buChar char="-"/>
+            </a:pPr>
+            <a:r>
+              <a:rPr lang="en" sz="1800">
+                <a:solidFill>
+                  <a:schemeClr val="lt1"/>
+                </a:solidFill>
+              </a:rPr>
+              <a:t>science</a:t>
+            </a:r>
+            <a:endParaRPr sz="1800">
+              <a:solidFill>
+                <a:schemeClr val="lt1"/>
+              </a:solidFill>
+            </a:endParaRPr>
+          </a:p>
+          <a:p>
+            <a:pPr indent="0" lvl="0" marL="0" rtl="0" algn="l">
+              <a:spcBef>
+                <a:spcPts val="0"/>
+              </a:spcBef>
+              <a:spcAft>
+                <a:spcPts val="0"/>
+              </a:spcAft>
+              <a:buNone/>
+            </a:pPr>
+            <a:r>
+              <a:t/>
+            </a:r>
+            <a:endParaRPr/>
           </a:p>
         </p:txBody>
       </p:sp>
@@ -20818,18 +21128,19 @@
           </a:bodyPr>
           <a:lstStyle/>
           <a:p>
-            <a:pPr indent="0" lvl="0" marL="0" rtl="0" algn="l">
-              <a:spcBef>
-                <a:spcPts val="0"/>
-              </a:spcBef>
-              <a:spcAft>
-                <a:spcPts val="0"/>
-              </a:spcAft>
-              <a:buNone/>
+            <a:pPr indent="-419100" lvl="0" marL="457200" rtl="0" algn="l">
+              <a:spcBef>
+                <a:spcPts val="0"/>
+              </a:spcBef>
+              <a:spcAft>
+                <a:spcPts val="0"/>
+              </a:spcAft>
+              <a:buSzPts val="3000"/>
+              <a:buAutoNum type="arabicPeriod"/>
             </a:pPr>
             <a:r>
               <a:rPr lang="en"/>
-              <a:t>2. Preprocess the data - bag of words</a:t>
+              <a:t>Setup a project on Google Cloud Console</a:t>
             </a:r>
             <a:endParaRPr/>
           </a:p>
@@ -20858,6 +21169,171 @@
           </a:bodyPr>
           <a:lstStyle/>
           <a:p>
+            <a:pPr indent="-342900" lvl="0" marL="457200" rtl="0" algn="l">
+              <a:lnSpc>
+                <a:spcPct val="150000"/>
+              </a:lnSpc>
+              <a:spcBef>
+                <a:spcPts val="0"/>
+              </a:spcBef>
+              <a:spcAft>
+                <a:spcPts val="0"/>
+              </a:spcAft>
+              <a:buSzPts val="1800"/>
+              <a:buChar char="-"/>
+            </a:pPr>
+            <a:r>
+              <a:rPr lang="en" sz="1800">
+                <a:solidFill>
+                  <a:srgbClr val="D9D9D9"/>
+                </a:solidFill>
+                <a:latin typeface="Arial"/>
+                <a:ea typeface="Arial"/>
+                <a:cs typeface="Arial"/>
+                <a:sym typeface="Arial"/>
+              </a:rPr>
+              <a:t>Enable ML Angine API’s</a:t>
+            </a:r>
+            <a:endParaRPr sz="1800">
+              <a:solidFill>
+                <a:srgbClr val="D9D9D9"/>
+              </a:solidFill>
+              <a:latin typeface="Arial"/>
+              <a:ea typeface="Arial"/>
+              <a:cs typeface="Arial"/>
+              <a:sym typeface="Arial"/>
+            </a:endParaRPr>
+          </a:p>
+          <a:p>
+            <a:pPr indent="-342900" lvl="0" marL="457200" rtl="0" algn="l">
+              <a:lnSpc>
+                <a:spcPct val="150000"/>
+              </a:lnSpc>
+              <a:spcBef>
+                <a:spcPts val="0"/>
+              </a:spcBef>
+              <a:spcAft>
+                <a:spcPts val="0"/>
+              </a:spcAft>
+              <a:buClr>
+                <a:srgbClr val="D9D9D9"/>
+              </a:buClr>
+              <a:buSzPts val="1800"/>
+              <a:buFont typeface="Arial"/>
+              <a:buChar char="-"/>
+            </a:pPr>
+            <a:r>
+              <a:rPr lang="en" sz="1800">
+                <a:solidFill>
+                  <a:srgbClr val="D9D9D9"/>
+                </a:solidFill>
+                <a:latin typeface="Arial"/>
+                <a:ea typeface="Arial"/>
+                <a:cs typeface="Arial"/>
+                <a:sym typeface="Arial"/>
+              </a:rPr>
+              <a:t>Install Google cloud command line tools</a:t>
+            </a:r>
+            <a:endParaRPr sz="1800">
+              <a:solidFill>
+                <a:srgbClr val="D9D9D9"/>
+              </a:solidFill>
+              <a:latin typeface="Arial"/>
+              <a:ea typeface="Arial"/>
+              <a:cs typeface="Arial"/>
+              <a:sym typeface="Arial"/>
+            </a:endParaRPr>
+          </a:p>
+        </p:txBody>
+      </p:sp>
+    </p:spTree>
+  </p:cSld>
+  <p:clrMapOvr>
+    <a:masterClrMapping/>
+  </p:clrMapOvr>
+</p:sld>
+</file>
+
+<file path=ppt/slides/slide24.xml><?xml version="1.0" encoding="utf-8"?>
+<p:sld xmlns:a="http://schemas.openxmlformats.org/drawingml/2006/main" xmlns:r="http://schemas.openxmlformats.org/officeDocument/2006/relationships" xmlns:mc="http://schemas.openxmlformats.org/markup-compatibility/2006" xmlns:mv="urn:schemas-microsoft-com:mac:vml" xmlns:p="http://schemas.openxmlformats.org/presentationml/2006/main" xmlns:c="http://schemas.openxmlformats.org/drawingml/2006/chart" xmlns:dgm="http://schemas.openxmlformats.org/drawingml/2006/diagram" xmlns:o="urn:schemas-microsoft-com:office:office" xmlns:v="urn:schemas-microsoft-com:vml" xmlns:pvml="urn:schemas-microsoft-com:office:powerpoint" xmlns:com="http://schemas.openxmlformats.org/drawingml/2006/compatibility" xmlns:p14="http://schemas.microsoft.com/office/powerpoint/2010/main" xmlns:p15="http://schemas.microsoft.com/office/powerpoint/2012/main">
+  <p:cSld>
+    <p:spTree>
+      <p:nvGrpSpPr>
+        <p:cNvPr id="233" name="Shape 233"/>
+        <p:cNvGrpSpPr/>
+        <p:nvPr/>
+      </p:nvGrpSpPr>
+      <p:grpSpPr>
+        <a:xfrm>
+          <a:off x="0" y="0"/>
+          <a:ext cx="0" cy="0"/>
+          <a:chOff x="0" y="0"/>
+          <a:chExt cx="0" cy="0"/>
+        </a:xfrm>
+      </p:grpSpPr>
+      <p:sp>
+        <p:nvSpPr>
+          <p:cNvPr id="234" name="Google Shape;234;p41"/>
+          <p:cNvSpPr txBox="1"/>
+          <p:nvPr>
+            <p:ph type="title"/>
+          </p:nvPr>
+        </p:nvSpPr>
+        <p:spPr>
+          <a:xfrm>
+            <a:off x="280998" y="133350"/>
+            <a:ext cx="6834000" cy="857400"/>
+          </a:xfrm>
+          <a:prstGeom prst="rect">
+            <a:avLst/>
+          </a:prstGeom>
+        </p:spPr>
+        <p:txBody>
+          <a:bodyPr anchorCtr="0" anchor="ctr" bIns="19050" lIns="19050" spcFirstLastPara="1" rIns="19050" wrap="square" tIns="19050">
+            <a:noAutofit/>
+          </a:bodyPr>
+          <a:lstStyle/>
+          <a:p>
+            <a:pPr indent="0" lvl="0" marL="0" rtl="0" algn="l">
+              <a:spcBef>
+                <a:spcPts val="0"/>
+              </a:spcBef>
+              <a:spcAft>
+                <a:spcPts val="0"/>
+              </a:spcAft>
+              <a:buNone/>
+            </a:pPr>
+            <a:r>
+              <a:rPr lang="en"/>
+              <a:t>2. Preprocess the data - bag of words</a:t>
+            </a:r>
+            <a:endParaRPr/>
+          </a:p>
+        </p:txBody>
+      </p:sp>
+      <p:sp>
+        <p:nvSpPr>
+          <p:cNvPr id="235" name="Google Shape;235;p41"/>
+          <p:cNvSpPr txBox="1"/>
+          <p:nvPr>
+            <p:ph idx="1" type="body"/>
+          </p:nvPr>
+        </p:nvSpPr>
+        <p:spPr>
+          <a:xfrm>
+            <a:off x="277368" y="1190275"/>
+            <a:ext cx="5695200" cy="3088500"/>
+          </a:xfrm>
+          <a:prstGeom prst="rect">
+            <a:avLst/>
+          </a:prstGeom>
+        </p:spPr>
+        <p:txBody>
+          <a:bodyPr anchorCtr="0" anchor="t" bIns="0" lIns="0" spcFirstLastPara="1" rIns="0" wrap="square" tIns="0">
+            <a:noAutofit/>
+          </a:bodyPr>
+          <a:lstStyle/>
+          <a:p>
             <a:pPr indent="0" lvl="0" marL="0" rtl="0" algn="l">
               <a:spcBef>
                 <a:spcPts val="0"/>
@@ -20876,7 +21352,7 @@
       </p:sp>
       <p:pic>
         <p:nvPicPr>
-          <p:cNvPr id="230" name="Google Shape;230;p40"/>
+          <p:cNvPr id="236" name="Google Shape;236;p41"/>
           <p:cNvPicPr preferRelativeResize="0"/>
           <p:nvPr/>
         </p:nvPicPr>
@@ -20910,12 +21386,12 @@
 </p:sld>
 </file>
 
-<file path=ppt/slides/slide24.xml><?xml version="1.0" encoding="utf-8"?>
+<file path=ppt/slides/slide25.xml><?xml version="1.0" encoding="utf-8"?>
 <p:sld xmlns:a="http://schemas.openxmlformats.org/drawingml/2006/main" xmlns:r="http://schemas.openxmlformats.org/officeDocument/2006/relationships" xmlns:mc="http://schemas.openxmlformats.org/markup-compatibility/2006" xmlns:mv="urn:schemas-microsoft-com:mac:vml" xmlns:p="http://schemas.openxmlformats.org/presentationml/2006/main" xmlns:c="http://schemas.openxmlformats.org/drawingml/2006/chart" xmlns:dgm="http://schemas.openxmlformats.org/drawingml/2006/diagram" xmlns:o="urn:schemas-microsoft-com:office:office" xmlns:v="urn:schemas-microsoft-com:vml" xmlns:pvml="urn:schemas-microsoft-com:office:powerpoint" xmlns:com="http://schemas.openxmlformats.org/drawingml/2006/compatibility" xmlns:p14="http://schemas.microsoft.com/office/powerpoint/2010/main" xmlns:p15="http://schemas.microsoft.com/office/powerpoint/2012/main">
   <p:cSld>
     <p:spTree>
       <p:nvGrpSpPr>
-        <p:cNvPr id="234" name="Shape 234"/>
+        <p:cNvPr id="240" name="Shape 240"/>
         <p:cNvGrpSpPr/>
         <p:nvPr/>
       </p:nvGrpSpPr>
@@ -20929,7 +21405,7 @@
       </p:grpSpPr>
       <p:sp>
         <p:nvSpPr>
-          <p:cNvPr id="235" name="Google Shape;235;p41"/>
+          <p:cNvPr id="241" name="Google Shape;241;p42"/>
           <p:cNvSpPr txBox="1"/>
           <p:nvPr>
             <p:ph type="title"/>
@@ -20969,7 +21445,7 @@
       </p:sp>
       <p:sp>
         <p:nvSpPr>
-          <p:cNvPr id="236" name="Google Shape;236;p41"/>
+          <p:cNvPr id="242" name="Google Shape;242;p42"/>
           <p:cNvSpPr txBox="1"/>
           <p:nvPr>
             <p:ph idx="1" type="body"/>
@@ -21008,7 +21484,7 @@
       </p:sp>
       <p:pic>
         <p:nvPicPr>
-          <p:cNvPr id="237" name="Google Shape;237;p41"/>
+          <p:cNvPr id="243" name="Google Shape;243;p42"/>
           <p:cNvPicPr preferRelativeResize="0"/>
           <p:nvPr/>
         </p:nvPicPr>
@@ -21042,12 +21518,12 @@
 </p:sld>
 </file>
 
-<file path=ppt/slides/slide25.xml><?xml version="1.0" encoding="utf-8"?>
+<file path=ppt/slides/slide26.xml><?xml version="1.0" encoding="utf-8"?>
 <p:sld xmlns:a="http://schemas.openxmlformats.org/drawingml/2006/main" xmlns:r="http://schemas.openxmlformats.org/officeDocument/2006/relationships" xmlns:mc="http://schemas.openxmlformats.org/markup-compatibility/2006" xmlns:mv="urn:schemas-microsoft-com:mac:vml" xmlns:p="http://schemas.openxmlformats.org/presentationml/2006/main" xmlns:c="http://schemas.openxmlformats.org/drawingml/2006/chart" xmlns:dgm="http://schemas.openxmlformats.org/drawingml/2006/diagram" xmlns:o="urn:schemas-microsoft-com:office:office" xmlns:v="urn:schemas-microsoft-com:vml" xmlns:pvml="urn:schemas-microsoft-com:office:powerpoint" xmlns:com="http://schemas.openxmlformats.org/drawingml/2006/compatibility" xmlns:p14="http://schemas.microsoft.com/office/powerpoint/2010/main" xmlns:p15="http://schemas.microsoft.com/office/powerpoint/2012/main">
   <p:cSld>
     <p:spTree>
       <p:nvGrpSpPr>
-        <p:cNvPr id="241" name="Shape 241"/>
+        <p:cNvPr id="247" name="Shape 247"/>
         <p:cNvGrpSpPr/>
         <p:nvPr/>
       </p:nvGrpSpPr>
@@ -21061,7 +21537,7 @@
       </p:grpSpPr>
       <p:sp>
         <p:nvSpPr>
-          <p:cNvPr id="242" name="Google Shape;242;p42"/>
+          <p:cNvPr id="248" name="Google Shape;248;p43"/>
           <p:cNvSpPr txBox="1"/>
           <p:nvPr>
             <p:ph type="title"/>
@@ -21101,7 +21577,7 @@
       </p:sp>
       <p:sp>
         <p:nvSpPr>
-          <p:cNvPr id="243" name="Google Shape;243;p42"/>
+          <p:cNvPr id="249" name="Google Shape;249;p43"/>
           <p:cNvSpPr txBox="1"/>
           <p:nvPr>
             <p:ph idx="1" type="body"/>
@@ -21140,7 +21616,7 @@
       </p:sp>
       <p:pic>
         <p:nvPicPr>
-          <p:cNvPr id="244" name="Google Shape;244;p42"/>
+          <p:cNvPr id="250" name="Google Shape;250;p43"/>
           <p:cNvPicPr preferRelativeResize="0"/>
           <p:nvPr/>
         </p:nvPicPr>
@@ -21166,140 +21642,6 @@
           </a:ln>
         </p:spPr>
       </p:pic>
-    </p:spTree>
-  </p:cSld>
-  <p:clrMapOvr>
-    <a:masterClrMapping/>
-  </p:clrMapOvr>
-</p:sld>
-</file>
-
-<file path=ppt/slides/slide26.xml><?xml version="1.0" encoding="utf-8"?>
-<p:sld xmlns:a="http://schemas.openxmlformats.org/drawingml/2006/main" xmlns:r="http://schemas.openxmlformats.org/officeDocument/2006/relationships" xmlns:mc="http://schemas.openxmlformats.org/markup-compatibility/2006" xmlns:mv="urn:schemas-microsoft-com:mac:vml" xmlns:p="http://schemas.openxmlformats.org/presentationml/2006/main" xmlns:c="http://schemas.openxmlformats.org/drawingml/2006/chart" xmlns:dgm="http://schemas.openxmlformats.org/drawingml/2006/diagram" xmlns:o="urn:schemas-microsoft-com:office:office" xmlns:v="urn:schemas-microsoft-com:vml" xmlns:pvml="urn:schemas-microsoft-com:office:powerpoint" xmlns:com="http://schemas.openxmlformats.org/drawingml/2006/compatibility" xmlns:p14="http://schemas.microsoft.com/office/powerpoint/2010/main" xmlns:p15="http://schemas.microsoft.com/office/powerpoint/2012/main">
-  <p:cSld>
-    <p:spTree>
-      <p:nvGrpSpPr>
-        <p:cNvPr id="248" name="Shape 248"/>
-        <p:cNvGrpSpPr/>
-        <p:nvPr/>
-      </p:nvGrpSpPr>
-      <p:grpSpPr>
-        <a:xfrm>
-          <a:off x="0" y="0"/>
-          <a:ext cx="0" cy="0"/>
-          <a:chOff x="0" y="0"/>
-          <a:chExt cx="0" cy="0"/>
-        </a:xfrm>
-      </p:grpSpPr>
-      <p:sp>
-        <p:nvSpPr>
-          <p:cNvPr id="249" name="Google Shape;249;p43"/>
-          <p:cNvSpPr txBox="1"/>
-          <p:nvPr>
-            <p:ph type="title"/>
-          </p:nvPr>
-        </p:nvSpPr>
-        <p:spPr>
-          <a:xfrm>
-            <a:off x="280998" y="133350"/>
-            <a:ext cx="6834000" cy="857400"/>
-          </a:xfrm>
-          <a:prstGeom prst="rect">
-            <a:avLst/>
-          </a:prstGeom>
-        </p:spPr>
-        <p:txBody>
-          <a:bodyPr anchorCtr="0" anchor="ctr" bIns="19050" lIns="19050" spcFirstLastPara="1" rIns="19050" wrap="square" tIns="19050">
-            <a:noAutofit/>
-          </a:bodyPr>
-          <a:lstStyle/>
-          <a:p>
-            <a:pPr indent="0" lvl="0" marL="0" rtl="0" algn="l">
-              <a:spcBef>
-                <a:spcPts val="0"/>
-              </a:spcBef>
-              <a:spcAft>
-                <a:spcPts val="0"/>
-              </a:spcAft>
-              <a:buNone/>
-            </a:pPr>
-            <a:r>
-              <a:rPr lang="en"/>
-              <a:t>4.  Set up the training in Keras</a:t>
-            </a:r>
-            <a:endParaRPr/>
-          </a:p>
-        </p:txBody>
-      </p:sp>
-      <p:sp>
-        <p:nvSpPr>
-          <p:cNvPr id="250" name="Google Shape;250;p43"/>
-          <p:cNvSpPr txBox="1"/>
-          <p:nvPr>
-            <p:ph idx="1" type="body"/>
-          </p:nvPr>
-        </p:nvSpPr>
-        <p:spPr>
-          <a:xfrm>
-            <a:off x="277368" y="1190275"/>
-            <a:ext cx="5695200" cy="3088500"/>
-          </a:xfrm>
-          <a:prstGeom prst="rect">
-            <a:avLst/>
-          </a:prstGeom>
-        </p:spPr>
-        <p:txBody>
-          <a:bodyPr anchorCtr="0" anchor="t" bIns="0" lIns="0" spcFirstLastPara="1" rIns="0" wrap="square" tIns="0">
-            <a:noAutofit/>
-          </a:bodyPr>
-          <a:lstStyle/>
-          <a:p>
-            <a:pPr indent="-342900" lvl="0" marL="457200" rtl="0" algn="l">
-              <a:spcBef>
-                <a:spcPts val="0"/>
-              </a:spcBef>
-              <a:spcAft>
-                <a:spcPts val="0"/>
-              </a:spcAft>
-              <a:buClr>
-                <a:srgbClr val="00B679"/>
-              </a:buClr>
-              <a:buSzPts val="1800"/>
-              <a:buChar char="-"/>
-            </a:pPr>
-            <a:r>
-              <a:rPr lang="en" sz="1800">
-                <a:solidFill>
-                  <a:srgbClr val="00B679"/>
-                </a:solidFill>
-              </a:rPr>
-              <a:t>model.fit() and use a machine with a lot of memory (256 GB)</a:t>
-            </a:r>
-            <a:endParaRPr sz="1800">
-              <a:solidFill>
-                <a:srgbClr val="00B679"/>
-              </a:solidFill>
-            </a:endParaRPr>
-          </a:p>
-          <a:p>
-            <a:pPr indent="-342900" lvl="0" marL="457200" rtl="0" algn="l">
-              <a:spcBef>
-                <a:spcPts val="0"/>
-              </a:spcBef>
-              <a:spcAft>
-                <a:spcPts val="0"/>
-              </a:spcAft>
-              <a:buSzPts val="1800"/>
-              <a:buChar char="-"/>
-            </a:pPr>
-            <a:r>
-              <a:rPr lang="en" sz="1800"/>
-              <a:t>model.fit_generator() and use a machine with less memory</a:t>
-            </a:r>
-            <a:endParaRPr sz="1800"/>
-          </a:p>
-        </p:txBody>
-      </p:sp>
     </p:spTree>
   </p:cSld>
   <p:clrMapOvr>
@@ -21359,7 +21701,7 @@
             </a:pPr>
             <a:r>
               <a:rPr lang="en"/>
-              <a:t>4.  Set up the training in Keras</a:t>
+              <a:t>3. Create a Keras model</a:t>
             </a:r>
             <a:endParaRPr/>
           </a:p>
@@ -21388,52 +21730,50 @@
           </a:bodyPr>
           <a:lstStyle/>
           <a:p>
-            <a:pPr indent="-342900" lvl="0" marL="457200" rtl="0" algn="l">
-              <a:spcBef>
-                <a:spcPts val="0"/>
-              </a:spcBef>
-              <a:spcAft>
-                <a:spcPts val="0"/>
-              </a:spcAft>
-              <a:buSzPts val="1800"/>
-              <a:buChar char="-"/>
+            <a:pPr indent="0" lvl="0" marL="0" rtl="0" algn="l">
+              <a:spcBef>
+                <a:spcPts val="0"/>
+              </a:spcBef>
+              <a:spcAft>
+                <a:spcPts val="0"/>
+              </a:spcAft>
+              <a:buNone/>
             </a:pPr>
             <a:r>
-              <a:rPr lang="en" sz="1800"/>
-              <a:t>model.fit() and use a machine with a lot of memory (256 GB)</a:t>
+              <a:t/>
             </a:r>
-            <a:endParaRPr sz="1800"/>
-          </a:p>
-          <a:p>
-            <a:pPr indent="-342900" lvl="0" marL="457200" rtl="0" algn="l">
-              <a:spcBef>
-                <a:spcPts val="0"/>
-              </a:spcBef>
-              <a:spcAft>
-                <a:spcPts val="0"/>
-              </a:spcAft>
-              <a:buClr>
-                <a:srgbClr val="00B679"/>
-              </a:buClr>
-              <a:buSzPts val="1800"/>
-              <a:buChar char="-"/>
-            </a:pPr>
-            <a:r>
-              <a:rPr lang="en" sz="1800">
-                <a:solidFill>
-                  <a:srgbClr val="00B679"/>
-                </a:solidFill>
-              </a:rPr>
-              <a:t>model.fit_generator() and use a machine with less memory</a:t>
-            </a:r>
-            <a:endParaRPr sz="1800">
-              <a:solidFill>
-                <a:srgbClr val="00B679"/>
-              </a:solidFill>
-            </a:endParaRPr>
+            <a:endParaRPr/>
           </a:p>
         </p:txBody>
       </p:sp>
+      <p:pic>
+        <p:nvPicPr>
+          <p:cNvPr id="257" name="Google Shape;257;p44"/>
+          <p:cNvPicPr preferRelativeResize="0"/>
+          <p:nvPr/>
+        </p:nvPicPr>
+        <p:blipFill>
+          <a:blip r:embed="rId3">
+            <a:alphaModFix/>
+          </a:blip>
+          <a:stretch>
+            <a:fillRect/>
+          </a:stretch>
+        </p:blipFill>
+        <p:spPr>
+          <a:xfrm>
+            <a:off x="281000" y="1098650"/>
+            <a:ext cx="7702777" cy="3180125"/>
+          </a:xfrm>
+          <a:prstGeom prst="rect">
+            <a:avLst/>
+          </a:prstGeom>
+          <a:noFill/>
+          <a:ln>
+            <a:noFill/>
+          </a:ln>
+        </p:spPr>
+      </p:pic>
     </p:spTree>
   </p:cSld>
   <p:clrMapOvr>
@@ -21447,7 +21787,7 @@
   <p:cSld>
     <p:spTree>
       <p:nvGrpSpPr>
-        <p:cNvPr id="260" name="Shape 260"/>
+        <p:cNvPr id="261" name="Shape 261"/>
         <p:cNvGrpSpPr/>
         <p:nvPr/>
       </p:nvGrpSpPr>
@@ -21461,7 +21801,7 @@
       </p:grpSpPr>
       <p:sp>
         <p:nvSpPr>
-          <p:cNvPr id="261" name="Google Shape;261;p45"/>
+          <p:cNvPr id="262" name="Google Shape;262;p45"/>
           <p:cNvSpPr txBox="1"/>
           <p:nvPr>
             <p:ph type="title"/>
@@ -21493,7 +21833,7 @@
             </a:pPr>
             <a:r>
               <a:rPr lang="en"/>
-              <a:t>5. Add arguments to the entry file</a:t>
+              <a:t>4.  Set up the training in Keras</a:t>
             </a:r>
             <a:endParaRPr/>
           </a:p>
@@ -21501,7 +21841,7 @@
       </p:sp>
       <p:sp>
         <p:nvSpPr>
-          <p:cNvPr id="262" name="Google Shape;262;p45"/>
+          <p:cNvPr id="263" name="Google Shape;263;p45"/>
           <p:cNvSpPr txBox="1"/>
           <p:nvPr>
             <p:ph idx="1" type="body"/>
@@ -21522,50 +21862,52 @@
           </a:bodyPr>
           <a:lstStyle/>
           <a:p>
-            <a:pPr indent="0" lvl="0" marL="0" rtl="0" algn="l">
-              <a:spcBef>
-                <a:spcPts val="0"/>
-              </a:spcBef>
-              <a:spcAft>
-                <a:spcPts val="0"/>
-              </a:spcAft>
-              <a:buNone/>
+            <a:pPr indent="-342900" lvl="0" marL="457200" rtl="0" algn="l">
+              <a:spcBef>
+                <a:spcPts val="0"/>
+              </a:spcBef>
+              <a:spcAft>
+                <a:spcPts val="0"/>
+              </a:spcAft>
+              <a:buClr>
+                <a:srgbClr val="00B679"/>
+              </a:buClr>
+              <a:buSzPts val="1800"/>
+              <a:buChar char="-"/>
             </a:pPr>
             <a:r>
-              <a:t/>
+              <a:rPr lang="en" sz="1800">
+                <a:solidFill>
+                  <a:srgbClr val="00B679"/>
+                </a:solidFill>
+              </a:rPr>
+              <a:t>model.fit() and use a machine with a lot of memory (256 GB)</a:t>
             </a:r>
-            <a:endParaRPr/>
+            <a:endParaRPr sz="1800">
+              <a:solidFill>
+                <a:srgbClr val="00B679"/>
+              </a:solidFill>
+            </a:endParaRPr>
+          </a:p>
+          <a:p>
+            <a:pPr indent="-342900" lvl="0" marL="457200" rtl="0" algn="l">
+              <a:spcBef>
+                <a:spcPts val="0"/>
+              </a:spcBef>
+              <a:spcAft>
+                <a:spcPts val="0"/>
+              </a:spcAft>
+              <a:buSzPts val="1800"/>
+              <a:buChar char="-"/>
+            </a:pPr>
+            <a:r>
+              <a:rPr lang="en" sz="1800"/>
+              <a:t>model.fit_generator() and use a machine with less memory</a:t>
+            </a:r>
+            <a:endParaRPr sz="1800"/>
           </a:p>
         </p:txBody>
       </p:sp>
-      <p:pic>
-        <p:nvPicPr>
-          <p:cNvPr id="263" name="Google Shape;263;p45"/>
-          <p:cNvPicPr preferRelativeResize="0"/>
-          <p:nvPr/>
-        </p:nvPicPr>
-        <p:blipFill>
-          <a:blip r:embed="rId3">
-            <a:alphaModFix/>
-          </a:blip>
-          <a:stretch>
-            <a:fillRect/>
-          </a:stretch>
-        </p:blipFill>
-        <p:spPr>
-          <a:xfrm>
-            <a:off x="281003" y="1190275"/>
-            <a:ext cx="4224424" cy="3145551"/>
-          </a:xfrm>
-          <a:prstGeom prst="rect">
-            <a:avLst/>
-          </a:prstGeom>
-          <a:noFill/>
-          <a:ln>
-            <a:noFill/>
-          </a:ln>
-        </p:spPr>
-      </p:pic>
     </p:spTree>
   </p:cSld>
   <p:clrMapOvr>
@@ -21625,7 +21967,7 @@
             </a:pPr>
             <a:r>
               <a:rPr lang="en"/>
-              <a:t>6. Convert the keras model to tensorflow model after training</a:t>
+              <a:t>4.  Set up the training in Keras</a:t>
             </a:r>
             <a:endParaRPr/>
           </a:p>
@@ -21654,50 +21996,52 @@
           </a:bodyPr>
           <a:lstStyle/>
           <a:p>
-            <a:pPr indent="0" lvl="0" marL="0" rtl="0" algn="l">
-              <a:spcBef>
-                <a:spcPts val="0"/>
-              </a:spcBef>
-              <a:spcAft>
-                <a:spcPts val="0"/>
-              </a:spcAft>
-              <a:buNone/>
+            <a:pPr indent="-342900" lvl="0" marL="457200" rtl="0" algn="l">
+              <a:spcBef>
+                <a:spcPts val="0"/>
+              </a:spcBef>
+              <a:spcAft>
+                <a:spcPts val="0"/>
+              </a:spcAft>
+              <a:buSzPts val="1800"/>
+              <a:buChar char="-"/>
             </a:pPr>
             <a:r>
-              <a:t/>
+              <a:rPr lang="en" sz="1800"/>
+              <a:t>model.fit() and use a machine with a lot of memory (256 GB)</a:t>
             </a:r>
-            <a:endParaRPr/>
+            <a:endParaRPr sz="1800"/>
+          </a:p>
+          <a:p>
+            <a:pPr indent="-342900" lvl="0" marL="457200" rtl="0" algn="l">
+              <a:spcBef>
+                <a:spcPts val="0"/>
+              </a:spcBef>
+              <a:spcAft>
+                <a:spcPts val="0"/>
+              </a:spcAft>
+              <a:buClr>
+                <a:srgbClr val="00B679"/>
+              </a:buClr>
+              <a:buSzPts val="1800"/>
+              <a:buChar char="-"/>
+            </a:pPr>
+            <a:r>
+              <a:rPr lang="en" sz="1800">
+                <a:solidFill>
+                  <a:srgbClr val="00B679"/>
+                </a:solidFill>
+              </a:rPr>
+              <a:t>model.fit_generator() and use a machine with less memory</a:t>
+            </a:r>
+            <a:endParaRPr sz="1800">
+              <a:solidFill>
+                <a:srgbClr val="00B679"/>
+              </a:solidFill>
+            </a:endParaRPr>
           </a:p>
         </p:txBody>
       </p:sp>
-      <p:pic>
-        <p:nvPicPr>
-          <p:cNvPr id="270" name="Google Shape;270;p46"/>
-          <p:cNvPicPr preferRelativeResize="0"/>
-          <p:nvPr/>
-        </p:nvPicPr>
-        <p:blipFill>
-          <a:blip r:embed="rId3">
-            <a:alphaModFix/>
-          </a:blip>
-          <a:stretch>
-            <a:fillRect/>
-          </a:stretch>
-        </p:blipFill>
-        <p:spPr>
-          <a:xfrm>
-            <a:off x="256950" y="1190275"/>
-            <a:ext cx="6882099" cy="3398251"/>
-          </a:xfrm>
-          <a:prstGeom prst="rect">
-            <a:avLst/>
-          </a:prstGeom>
-          <a:noFill/>
-          <a:ln>
-            <a:noFill/>
-          </a:ln>
-        </p:spPr>
-      </p:pic>
     </p:spTree>
   </p:cSld>
   <p:clrMapOvr>
@@ -21867,7 +22211,7 @@
   <p:cSld>
     <p:spTree>
       <p:nvGrpSpPr>
-        <p:cNvPr id="274" name="Shape 274"/>
+        <p:cNvPr id="273" name="Shape 273"/>
         <p:cNvGrpSpPr/>
         <p:nvPr/>
       </p:nvGrpSpPr>
@@ -21881,7 +22225,7 @@
       </p:grpSpPr>
       <p:sp>
         <p:nvSpPr>
-          <p:cNvPr id="275" name="Google Shape;275;p47"/>
+          <p:cNvPr id="274" name="Google Shape;274;p47"/>
           <p:cNvSpPr txBox="1"/>
           <p:nvPr>
             <p:ph type="title"/>
@@ -21913,11 +22257,7 @@
             </a:pPr>
             <a:r>
               <a:rPr lang="en"/>
-              <a:t>7</a:t>
-            </a:r>
-            <a:r>
-              <a:rPr lang="en"/>
-              <a:t>. Create a python package and upload it to a gcs</a:t>
+              <a:t>5. Add arguments to the entry file</a:t>
             </a:r>
             <a:endParaRPr/>
           </a:p>
@@ -21925,7 +22265,7 @@
       </p:sp>
       <p:sp>
         <p:nvSpPr>
-          <p:cNvPr id="276" name="Google Shape;276;p47"/>
+          <p:cNvPr id="275" name="Google Shape;275;p47"/>
           <p:cNvSpPr txBox="1"/>
           <p:nvPr>
             <p:ph idx="1" type="body"/>
@@ -21947,54 +22287,49 @@
           <a:lstStyle/>
           <a:p>
             <a:pPr indent="0" lvl="0" marL="0" rtl="0" algn="l">
-              <a:lnSpc>
-                <a:spcPct val="135714"/>
-              </a:lnSpc>
-              <a:spcBef>
-                <a:spcPts val="0"/>
-              </a:spcBef>
-              <a:spcAft>
-                <a:spcPts val="0"/>
-              </a:spcAft>
-              <a:buClr>
-                <a:schemeClr val="dk1"/>
-              </a:buClr>
-              <a:buSzPts val="1100"/>
-              <a:buFont typeface="Arial"/>
+              <a:spcBef>
+                <a:spcPts val="0"/>
+              </a:spcBef>
+              <a:spcAft>
+                <a:spcPts val="0"/>
+              </a:spcAft>
               <a:buNone/>
             </a:pPr>
             <a:r>
-              <a:rPr lang="en" sz="1800">
-                <a:solidFill>
-                  <a:schemeClr val="lt1"/>
-                </a:solidFill>
-              </a:rPr>
-              <a:t>p</a:t>
+              <a:t/>
             </a:r>
-            <a:r>
-              <a:rPr lang="en" sz="1800">
-                <a:solidFill>
-                  <a:schemeClr val="lt1"/>
-                </a:solidFill>
-              </a:rPr>
-              <a:t>y</a:t>
-            </a:r>
-            <a:r>
-              <a:rPr lang="en" sz="1800">
-                <a:solidFill>
-                  <a:schemeClr val="lt1"/>
-                </a:solidFill>
-              </a:rPr>
-              <a:t>thon setup.py sdist --formats=gztar</a:t>
-            </a:r>
-            <a:endParaRPr sz="1800">
-              <a:solidFill>
-                <a:schemeClr val="lt1"/>
-              </a:solidFill>
-            </a:endParaRPr>
+            <a:endParaRPr/>
           </a:p>
         </p:txBody>
       </p:sp>
+      <p:pic>
+        <p:nvPicPr>
+          <p:cNvPr id="276" name="Google Shape;276;p47"/>
+          <p:cNvPicPr preferRelativeResize="0"/>
+          <p:nvPr/>
+        </p:nvPicPr>
+        <p:blipFill>
+          <a:blip r:embed="rId3">
+            <a:alphaModFix/>
+          </a:blip>
+          <a:stretch>
+            <a:fillRect/>
+          </a:stretch>
+        </p:blipFill>
+        <p:spPr>
+          <a:xfrm>
+            <a:off x="281003" y="1190275"/>
+            <a:ext cx="4224424" cy="3145551"/>
+          </a:xfrm>
+          <a:prstGeom prst="rect">
+            <a:avLst/>
+          </a:prstGeom>
+          <a:noFill/>
+          <a:ln>
+            <a:noFill/>
+          </a:ln>
+        </p:spPr>
+      </p:pic>
     </p:spTree>
   </p:cSld>
   <p:clrMapOvr>
@@ -22054,7 +22389,7 @@
             </a:pPr>
             <a:r>
               <a:rPr lang="en"/>
-              <a:t>8. Submit a training job to ML Engine</a:t>
+              <a:t>6. Convert the keras model to tensorflow model after training</a:t>
             </a:r>
             <a:endParaRPr/>
           </a:p>
@@ -22115,8 +22450,8 @@
         </p:blipFill>
         <p:spPr>
           <a:xfrm>
-            <a:off x="277375" y="1240313"/>
-            <a:ext cx="3614899" cy="2988426"/>
+            <a:off x="256950" y="1190275"/>
+            <a:ext cx="6882099" cy="3398251"/>
           </a:xfrm>
           <a:prstGeom prst="rect">
             <a:avLst/>
@@ -22186,7 +22521,11 @@
             </a:pPr>
             <a:r>
               <a:rPr lang="en"/>
-              <a:t>Hyperparameter tuning</a:t>
+              <a:t>7</a:t>
+            </a:r>
+            <a:r>
+              <a:rPr lang="en"/>
+              <a:t>. Create a python package and upload it to a gcs</a:t>
             </a:r>
             <a:endParaRPr/>
           </a:p>
@@ -22216,6 +22555,143 @@
           <a:lstStyle/>
           <a:p>
             <a:pPr indent="0" lvl="0" marL="0" rtl="0" algn="l">
+              <a:lnSpc>
+                <a:spcPct val="135714"/>
+              </a:lnSpc>
+              <a:spcBef>
+                <a:spcPts val="0"/>
+              </a:spcBef>
+              <a:spcAft>
+                <a:spcPts val="0"/>
+              </a:spcAft>
+              <a:buClr>
+                <a:schemeClr val="dk1"/>
+              </a:buClr>
+              <a:buSzPts val="1100"/>
+              <a:buFont typeface="Arial"/>
+              <a:buNone/>
+            </a:pPr>
+            <a:r>
+              <a:rPr lang="en" sz="1800">
+                <a:solidFill>
+                  <a:schemeClr val="lt1"/>
+                </a:solidFill>
+              </a:rPr>
+              <a:t>p</a:t>
+            </a:r>
+            <a:r>
+              <a:rPr lang="en" sz="1800">
+                <a:solidFill>
+                  <a:schemeClr val="lt1"/>
+                </a:solidFill>
+              </a:rPr>
+              <a:t>y</a:t>
+            </a:r>
+            <a:r>
+              <a:rPr lang="en" sz="1800">
+                <a:solidFill>
+                  <a:schemeClr val="lt1"/>
+                </a:solidFill>
+              </a:rPr>
+              <a:t>thon setup.py sdist --formats=gztar</a:t>
+            </a:r>
+            <a:endParaRPr sz="1800">
+              <a:solidFill>
+                <a:schemeClr val="lt1"/>
+              </a:solidFill>
+            </a:endParaRPr>
+          </a:p>
+        </p:txBody>
+      </p:sp>
+    </p:spTree>
+  </p:cSld>
+  <p:clrMapOvr>
+    <a:masterClrMapping/>
+  </p:clrMapOvr>
+</p:sld>
+</file>
+
+<file path=ppt/slides/slide33.xml><?xml version="1.0" encoding="utf-8"?>
+<p:sld xmlns:a="http://schemas.openxmlformats.org/drawingml/2006/main" xmlns:r="http://schemas.openxmlformats.org/officeDocument/2006/relationships" xmlns:mc="http://schemas.openxmlformats.org/markup-compatibility/2006" xmlns:mv="urn:schemas-microsoft-com:mac:vml" xmlns:p="http://schemas.openxmlformats.org/presentationml/2006/main" xmlns:c="http://schemas.openxmlformats.org/drawingml/2006/chart" xmlns:dgm="http://schemas.openxmlformats.org/drawingml/2006/diagram" xmlns:o="urn:schemas-microsoft-com:office:office" xmlns:v="urn:schemas-microsoft-com:vml" xmlns:pvml="urn:schemas-microsoft-com:office:powerpoint" xmlns:com="http://schemas.openxmlformats.org/drawingml/2006/compatibility" xmlns:p14="http://schemas.microsoft.com/office/powerpoint/2010/main" xmlns:p15="http://schemas.microsoft.com/office/powerpoint/2012/main">
+  <p:cSld>
+    <p:spTree>
+      <p:nvGrpSpPr>
+        <p:cNvPr id="293" name="Shape 293"/>
+        <p:cNvGrpSpPr/>
+        <p:nvPr/>
+      </p:nvGrpSpPr>
+      <p:grpSpPr>
+        <a:xfrm>
+          <a:off x="0" y="0"/>
+          <a:ext cx="0" cy="0"/>
+          <a:chOff x="0" y="0"/>
+          <a:chExt cx="0" cy="0"/>
+        </a:xfrm>
+      </p:grpSpPr>
+      <p:sp>
+        <p:nvSpPr>
+          <p:cNvPr id="294" name="Google Shape;294;p50"/>
+          <p:cNvSpPr txBox="1"/>
+          <p:nvPr>
+            <p:ph type="title"/>
+          </p:nvPr>
+        </p:nvSpPr>
+        <p:spPr>
+          <a:xfrm>
+            <a:off x="280998" y="133350"/>
+            <a:ext cx="6834000" cy="857400"/>
+          </a:xfrm>
+          <a:prstGeom prst="rect">
+            <a:avLst/>
+          </a:prstGeom>
+        </p:spPr>
+        <p:txBody>
+          <a:bodyPr anchorCtr="0" anchor="ctr" bIns="19050" lIns="19050" spcFirstLastPara="1" rIns="19050" wrap="square" tIns="19050">
+            <a:noAutofit/>
+          </a:bodyPr>
+          <a:lstStyle/>
+          <a:p>
+            <a:pPr indent="0" lvl="0" marL="0" rtl="0" algn="l">
+              <a:spcBef>
+                <a:spcPts val="0"/>
+              </a:spcBef>
+              <a:spcAft>
+                <a:spcPts val="0"/>
+              </a:spcAft>
+              <a:buNone/>
+            </a:pPr>
+            <a:r>
+              <a:rPr lang="en"/>
+              <a:t>8. Submit a training job to ML Engine</a:t>
+            </a:r>
+            <a:endParaRPr/>
+          </a:p>
+        </p:txBody>
+      </p:sp>
+      <p:sp>
+        <p:nvSpPr>
+          <p:cNvPr id="295" name="Google Shape;295;p50"/>
+          <p:cNvSpPr txBox="1"/>
+          <p:nvPr>
+            <p:ph idx="1" type="body"/>
+          </p:nvPr>
+        </p:nvSpPr>
+        <p:spPr>
+          <a:xfrm>
+            <a:off x="277368" y="1190275"/>
+            <a:ext cx="5695200" cy="3088500"/>
+          </a:xfrm>
+          <a:prstGeom prst="rect">
+            <a:avLst/>
+          </a:prstGeom>
+        </p:spPr>
+        <p:txBody>
+          <a:bodyPr anchorCtr="0" anchor="t" bIns="0" lIns="0" spcFirstLastPara="1" rIns="0" wrap="square" tIns="0">
+            <a:noAutofit/>
+          </a:bodyPr>
+          <a:lstStyle/>
+          <a:p>
+            <a:pPr indent="0" lvl="0" marL="0" rtl="0" algn="l">
               <a:spcBef>
                 <a:spcPts val="0"/>
               </a:spcBef>
@@ -22233,7 +22709,139 @@
       </p:sp>
       <p:pic>
         <p:nvPicPr>
-          <p:cNvPr id="290" name="Google Shape;290;p49"/>
+          <p:cNvPr id="296" name="Google Shape;296;p50"/>
+          <p:cNvPicPr preferRelativeResize="0"/>
+          <p:nvPr/>
+        </p:nvPicPr>
+        <p:blipFill>
+          <a:blip r:embed="rId3">
+            <a:alphaModFix/>
+          </a:blip>
+          <a:stretch>
+            <a:fillRect/>
+          </a:stretch>
+        </p:blipFill>
+        <p:spPr>
+          <a:xfrm>
+            <a:off x="277375" y="1240313"/>
+            <a:ext cx="3614899" cy="2988426"/>
+          </a:xfrm>
+          <a:prstGeom prst="rect">
+            <a:avLst/>
+          </a:prstGeom>
+          <a:noFill/>
+          <a:ln>
+            <a:noFill/>
+          </a:ln>
+        </p:spPr>
+      </p:pic>
+    </p:spTree>
+  </p:cSld>
+  <p:clrMapOvr>
+    <a:masterClrMapping/>
+  </p:clrMapOvr>
+</p:sld>
+</file>
+
+<file path=ppt/slides/slide34.xml><?xml version="1.0" encoding="utf-8"?>
+<p:sld xmlns:a="http://schemas.openxmlformats.org/drawingml/2006/main" xmlns:r="http://schemas.openxmlformats.org/officeDocument/2006/relationships" xmlns:mc="http://schemas.openxmlformats.org/markup-compatibility/2006" xmlns:mv="urn:schemas-microsoft-com:mac:vml" xmlns:p="http://schemas.openxmlformats.org/presentationml/2006/main" xmlns:c="http://schemas.openxmlformats.org/drawingml/2006/chart" xmlns:dgm="http://schemas.openxmlformats.org/drawingml/2006/diagram" xmlns:o="urn:schemas-microsoft-com:office:office" xmlns:v="urn:schemas-microsoft-com:vml" xmlns:pvml="urn:schemas-microsoft-com:office:powerpoint" xmlns:com="http://schemas.openxmlformats.org/drawingml/2006/compatibility" xmlns:p14="http://schemas.microsoft.com/office/powerpoint/2010/main" xmlns:p15="http://schemas.microsoft.com/office/powerpoint/2012/main">
+  <p:cSld>
+    <p:spTree>
+      <p:nvGrpSpPr>
+        <p:cNvPr id="300" name="Shape 300"/>
+        <p:cNvGrpSpPr/>
+        <p:nvPr/>
+      </p:nvGrpSpPr>
+      <p:grpSpPr>
+        <a:xfrm>
+          <a:off x="0" y="0"/>
+          <a:ext cx="0" cy="0"/>
+          <a:chOff x="0" y="0"/>
+          <a:chExt cx="0" cy="0"/>
+        </a:xfrm>
+      </p:grpSpPr>
+      <p:sp>
+        <p:nvSpPr>
+          <p:cNvPr id="301" name="Google Shape;301;p51"/>
+          <p:cNvSpPr txBox="1"/>
+          <p:nvPr>
+            <p:ph type="title"/>
+          </p:nvPr>
+        </p:nvSpPr>
+        <p:spPr>
+          <a:xfrm>
+            <a:off x="280998" y="133350"/>
+            <a:ext cx="6834000" cy="857400"/>
+          </a:xfrm>
+          <a:prstGeom prst="rect">
+            <a:avLst/>
+          </a:prstGeom>
+        </p:spPr>
+        <p:txBody>
+          <a:bodyPr anchorCtr="0" anchor="ctr" bIns="19050" lIns="19050" spcFirstLastPara="1" rIns="19050" wrap="square" tIns="19050">
+            <a:noAutofit/>
+          </a:bodyPr>
+          <a:lstStyle/>
+          <a:p>
+            <a:pPr indent="0" lvl="0" marL="0" rtl="0" algn="l">
+              <a:spcBef>
+                <a:spcPts val="0"/>
+              </a:spcBef>
+              <a:spcAft>
+                <a:spcPts val="0"/>
+              </a:spcAft>
+              <a:buNone/>
+            </a:pPr>
+            <a:r>
+              <a:rPr lang="en"/>
+              <a:t>Hyperparameter tuning</a:t>
+            </a:r>
+            <a:endParaRPr/>
+          </a:p>
+        </p:txBody>
+      </p:sp>
+      <p:sp>
+        <p:nvSpPr>
+          <p:cNvPr id="302" name="Google Shape;302;p51"/>
+          <p:cNvSpPr txBox="1"/>
+          <p:nvPr>
+            <p:ph idx="1" type="body"/>
+          </p:nvPr>
+        </p:nvSpPr>
+        <p:spPr>
+          <a:xfrm>
+            <a:off x="277368" y="1190275"/>
+            <a:ext cx="5695200" cy="3088500"/>
+          </a:xfrm>
+          <a:prstGeom prst="rect">
+            <a:avLst/>
+          </a:prstGeom>
+        </p:spPr>
+        <p:txBody>
+          <a:bodyPr anchorCtr="0" anchor="t" bIns="0" lIns="0" spcFirstLastPara="1" rIns="0" wrap="square" tIns="0">
+            <a:noAutofit/>
+          </a:bodyPr>
+          <a:lstStyle/>
+          <a:p>
+            <a:pPr indent="0" lvl="0" marL="0" rtl="0" algn="l">
+              <a:spcBef>
+                <a:spcPts val="0"/>
+              </a:spcBef>
+              <a:spcAft>
+                <a:spcPts val="0"/>
+              </a:spcAft>
+              <a:buNone/>
+            </a:pPr>
+            <a:r>
+              <a:t/>
+            </a:r>
+            <a:endParaRPr/>
+          </a:p>
+        </p:txBody>
+      </p:sp>
+      <p:pic>
+        <p:nvPicPr>
+          <p:cNvPr id="303" name="Google Shape;303;p51"/>
           <p:cNvPicPr preferRelativeResize="0"/>
           <p:nvPr/>
         </p:nvPicPr>
@@ -22267,12 +22875,12 @@
 </p:sld>
 </file>
 
-<file path=ppt/slides/slide33.xml><?xml version="1.0" encoding="utf-8"?>
+<file path=ppt/slides/slide35.xml><?xml version="1.0" encoding="utf-8"?>
 <p:sld xmlns:a="http://schemas.openxmlformats.org/drawingml/2006/main" xmlns:r="http://schemas.openxmlformats.org/officeDocument/2006/relationships" xmlns:mc="http://schemas.openxmlformats.org/markup-compatibility/2006" xmlns:mv="urn:schemas-microsoft-com:mac:vml" xmlns:p="http://schemas.openxmlformats.org/presentationml/2006/main" xmlns:c="http://schemas.openxmlformats.org/drawingml/2006/chart" xmlns:dgm="http://schemas.openxmlformats.org/drawingml/2006/diagram" xmlns:o="urn:schemas-microsoft-com:office:office" xmlns:v="urn:schemas-microsoft-com:vml" xmlns:pvml="urn:schemas-microsoft-com:office:powerpoint" xmlns:com="http://schemas.openxmlformats.org/drawingml/2006/compatibility" xmlns:p14="http://schemas.microsoft.com/office/powerpoint/2010/main" xmlns:p15="http://schemas.microsoft.com/office/powerpoint/2012/main">
   <p:cSld>
     <p:spTree>
       <p:nvGrpSpPr>
-        <p:cNvPr id="294" name="Shape 294"/>
+        <p:cNvPr id="307" name="Shape 307"/>
         <p:cNvGrpSpPr/>
         <p:nvPr/>
       </p:nvGrpSpPr>
@@ -22286,7 +22894,7 @@
       </p:grpSpPr>
       <p:sp>
         <p:nvSpPr>
-          <p:cNvPr id="295" name="Google Shape;295;p50"/>
+          <p:cNvPr id="308" name="Google Shape;308;p52"/>
           <p:cNvSpPr txBox="1"/>
           <p:nvPr>
             <p:ph type="title"/>
@@ -22326,7 +22934,7 @@
       </p:sp>
       <p:sp>
         <p:nvSpPr>
-          <p:cNvPr id="296" name="Google Shape;296;p50"/>
+          <p:cNvPr id="309" name="Google Shape;309;p52"/>
           <p:cNvSpPr txBox="1"/>
           <p:nvPr>
             <p:ph idx="1" type="body"/>
@@ -22365,7 +22973,7 @@
       </p:sp>
       <p:pic>
         <p:nvPicPr>
-          <p:cNvPr id="297" name="Google Shape;297;p50"/>
+          <p:cNvPr id="310" name="Google Shape;310;p52"/>
           <p:cNvPicPr preferRelativeResize="0"/>
           <p:nvPr/>
         </p:nvPicPr>
@@ -22399,12 +23007,12 @@
 </p:sld>
 </file>
 
-<file path=ppt/slides/slide34.xml><?xml version="1.0" encoding="utf-8"?>
+<file path=ppt/slides/slide36.xml><?xml version="1.0" encoding="utf-8"?>
 <p:sld xmlns:a="http://schemas.openxmlformats.org/drawingml/2006/main" xmlns:r="http://schemas.openxmlformats.org/officeDocument/2006/relationships" xmlns:mc="http://schemas.openxmlformats.org/markup-compatibility/2006" xmlns:mv="urn:schemas-microsoft-com:mac:vml" xmlns:p="http://schemas.openxmlformats.org/presentationml/2006/main" xmlns:c="http://schemas.openxmlformats.org/drawingml/2006/chart" xmlns:dgm="http://schemas.openxmlformats.org/drawingml/2006/diagram" xmlns:o="urn:schemas-microsoft-com:office:office" xmlns:v="urn:schemas-microsoft-com:vml" xmlns:pvml="urn:schemas-microsoft-com:office:powerpoint" xmlns:com="http://schemas.openxmlformats.org/drawingml/2006/compatibility" xmlns:p14="http://schemas.microsoft.com/office/powerpoint/2010/main" xmlns:p15="http://schemas.microsoft.com/office/powerpoint/2012/main">
   <p:cSld>
     <p:spTree>
       <p:nvGrpSpPr>
-        <p:cNvPr id="301" name="Shape 301"/>
+        <p:cNvPr id="314" name="Shape 314"/>
         <p:cNvGrpSpPr/>
         <p:nvPr/>
       </p:nvGrpSpPr>
@@ -22418,7 +23026,7 @@
       </p:grpSpPr>
       <p:sp>
         <p:nvSpPr>
-          <p:cNvPr id="302" name="Google Shape;302;p51"/>
+          <p:cNvPr id="315" name="Google Shape;315;p53"/>
           <p:cNvSpPr txBox="1"/>
           <p:nvPr>
             <p:ph type="ctrTitle"/>
@@ -22426,7 +23034,7 @@
         </p:nvSpPr>
         <p:spPr>
           <a:xfrm>
-            <a:off x="311708" y="744575"/>
+            <a:off x="294483" y="228150"/>
             <a:ext cx="8520600" cy="2052600"/>
           </a:xfrm>
           <a:prstGeom prst="rect">
@@ -22458,7 +23066,7 @@
       </p:sp>
       <p:sp>
         <p:nvSpPr>
-          <p:cNvPr id="303" name="Google Shape;303;p51"/>
+          <p:cNvPr id="316" name="Google Shape;316;p53"/>
           <p:cNvSpPr txBox="1"/>
           <p:nvPr>
             <p:ph idx="1" type="subTitle"/>
@@ -22466,7 +23074,7 @@
         </p:nvSpPr>
         <p:spPr>
           <a:xfrm>
-            <a:off x="311700" y="2834125"/>
+            <a:off x="311700" y="2280750"/>
             <a:ext cx="8520600" cy="792600"/>
           </a:xfrm>
           <a:prstGeom prst="rect">
@@ -22495,13 +23103,17 @@
             <a:r>
               <a:rPr lang="en" sz="1800" u="sng">
                 <a:solidFill>
-                  <a:schemeClr val="hlink"/>
+                  <a:srgbClr val="FFFF00"/>
                 </a:solidFill>
                 <a:hlinkClick r:id="rId3"/>
               </a:rPr>
               <a:t>bat@trustpilot.com</a:t>
             </a:r>
-            <a:endParaRPr sz="1800"/>
+            <a:endParaRPr sz="1800">
+              <a:solidFill>
+                <a:srgbClr val="FFFF00"/>
+              </a:solidFill>
+            </a:endParaRPr>
           </a:p>
           <a:p>
             <a:pPr indent="0" lvl="0" marL="0" rtl="0" algn="ctr">
@@ -22521,6 +23133,75 @@
           </a:p>
         </p:txBody>
       </p:sp>
+      <p:sp>
+        <p:nvSpPr>
+          <p:cNvPr id="317" name="Google Shape;317;p53"/>
+          <p:cNvSpPr txBox="1"/>
+          <p:nvPr/>
+        </p:nvSpPr>
+        <p:spPr>
+          <a:xfrm>
+            <a:off x="3057175" y="3478575"/>
+            <a:ext cx="2995200" cy="1404600"/>
+          </a:xfrm>
+          <a:prstGeom prst="rect">
+            <a:avLst/>
+          </a:prstGeom>
+          <a:noFill/>
+          <a:ln>
+            <a:noFill/>
+          </a:ln>
+        </p:spPr>
+        <p:txBody>
+          <a:bodyPr anchorCtr="0" anchor="t" bIns="91425" lIns="91425" spcFirstLastPara="1" rIns="91425" wrap="square" tIns="91425">
+            <a:noAutofit/>
+          </a:bodyPr>
+          <a:lstStyle/>
+          <a:p>
+            <a:pPr indent="0" lvl="0" marL="0" rtl="0" algn="l">
+              <a:spcBef>
+                <a:spcPts val="0"/>
+              </a:spcBef>
+              <a:spcAft>
+                <a:spcPts val="0"/>
+              </a:spcAft>
+              <a:buNone/>
+            </a:pPr>
+            <a:r>
+              <a:t/>
+            </a:r>
+            <a:endParaRPr/>
+          </a:p>
+        </p:txBody>
+      </p:sp>
+      <p:pic>
+        <p:nvPicPr>
+          <p:cNvPr id="318" name="Google Shape;318;p53"/>
+          <p:cNvPicPr preferRelativeResize="0"/>
+          <p:nvPr/>
+        </p:nvPicPr>
+        <p:blipFill>
+          <a:blip r:embed="rId4">
+            <a:alphaModFix/>
+          </a:blip>
+          <a:stretch>
+            <a:fillRect/>
+          </a:stretch>
+        </p:blipFill>
+        <p:spPr>
+          <a:xfrm>
+            <a:off x="3660363" y="3121188"/>
+            <a:ext cx="1561625" cy="1561625"/>
+          </a:xfrm>
+          <a:prstGeom prst="rect">
+            <a:avLst/>
+          </a:prstGeom>
+          <a:noFill/>
+          <a:ln>
+            <a:noFill/>
+          </a:ln>
+        </p:spPr>
+      </p:pic>
     </p:spTree>
   </p:cSld>
   <p:clrMapOvr>
@@ -22747,34 +23428,6 @@
           </a:bodyPr>
           <a:lstStyle/>
           <a:p>
-            <a:pPr indent="-342900" lvl="0" marL="457200" rtl="0" algn="l">
-              <a:spcBef>
-                <a:spcPts val="0"/>
-              </a:spcBef>
-              <a:spcAft>
-                <a:spcPts val="0"/>
-              </a:spcAft>
-              <a:buClr>
-                <a:srgbClr val="00B679"/>
-              </a:buClr>
-              <a:buSzPts val="1800"/>
-              <a:buChar char="-"/>
-            </a:pPr>
-            <a:r>
-              <a:rPr lang="en" sz="1800">
-                <a:solidFill>
-                  <a:srgbClr val="00B679"/>
-                </a:solidFill>
-              </a:rPr>
-              <a:t>Train multiple models in parallel</a:t>
-            </a:r>
-            <a:endParaRPr sz="1800">
-              <a:solidFill>
-                <a:srgbClr val="00B679"/>
-              </a:solidFill>
-            </a:endParaRPr>
-          </a:p>
-          <a:p>
             <a:pPr indent="0" lvl="0" marL="0" rtl="0" algn="l">
               <a:spcBef>
                 <a:spcPts val="0"/>
@@ -22786,138 +23439,6 @@
             </a:pPr>
             <a:r>
               <a:t/>
-            </a:r>
-            <a:endParaRPr sz="1800"/>
-          </a:p>
-          <a:p>
-            <a:pPr indent="-342900" lvl="0" marL="457200" rtl="0" algn="l">
-              <a:spcBef>
-                <a:spcPts val="0"/>
-              </a:spcBef>
-              <a:spcAft>
-                <a:spcPts val="0"/>
-              </a:spcAft>
-              <a:buSzPts val="1800"/>
-              <a:buChar char="-"/>
-            </a:pPr>
-            <a:r>
-              <a:rPr lang="en" sz="1800"/>
-              <a:t>Easy access to powerful computers</a:t>
-            </a:r>
-            <a:endParaRPr sz="1800"/>
-          </a:p>
-          <a:p>
-            <a:pPr indent="0" lvl="0" marL="457200" rtl="0" algn="l">
-              <a:spcBef>
-                <a:spcPts val="0"/>
-              </a:spcBef>
-              <a:spcAft>
-                <a:spcPts val="0"/>
-              </a:spcAft>
-              <a:buNone/>
-            </a:pPr>
-            <a:r>
-              <a:t/>
-            </a:r>
-            <a:endParaRPr sz="1800"/>
-          </a:p>
-          <a:p>
-            <a:pPr indent="-342900" lvl="0" marL="457200" rtl="0" algn="l">
-              <a:spcBef>
-                <a:spcPts val="0"/>
-              </a:spcBef>
-              <a:spcAft>
-                <a:spcPts val="0"/>
-              </a:spcAft>
-              <a:buSzPts val="1800"/>
-              <a:buChar char="-"/>
-            </a:pPr>
-            <a:r>
-              <a:rPr lang="en" sz="1800"/>
-              <a:t>Easy to deploy and maintain models</a:t>
-            </a:r>
-            <a:endParaRPr sz="1800"/>
-          </a:p>
-          <a:p>
-            <a:pPr indent="0" lvl="0" marL="0" rtl="0" algn="l">
-              <a:spcBef>
-                <a:spcPts val="0"/>
-              </a:spcBef>
-              <a:spcAft>
-                <a:spcPts val="0"/>
-              </a:spcAft>
-              <a:buNone/>
-            </a:pPr>
-            <a:r>
-              <a:t/>
-            </a:r>
-            <a:endParaRPr sz="1800"/>
-          </a:p>
-          <a:p>
-            <a:pPr indent="-342900" lvl="0" marL="457200" rtl="0" algn="l">
-              <a:spcBef>
-                <a:spcPts val="0"/>
-              </a:spcBef>
-              <a:spcAft>
-                <a:spcPts val="0"/>
-              </a:spcAft>
-              <a:buSzPts val="1800"/>
-              <a:buChar char="-"/>
-            </a:pPr>
-            <a:r>
-              <a:rPr lang="en" sz="1800">
-                <a:solidFill>
-                  <a:schemeClr val="lt1"/>
-                </a:solidFill>
-              </a:rPr>
-              <a:t>Hyperparameter optimization</a:t>
-            </a:r>
-            <a:endParaRPr sz="1800">
-              <a:solidFill>
-                <a:schemeClr val="lt1"/>
-              </a:solidFill>
-            </a:endParaRPr>
-          </a:p>
-          <a:p>
-            <a:pPr indent="0" lvl="0" marL="0" rtl="0" algn="l">
-              <a:spcBef>
-                <a:spcPts val="0"/>
-              </a:spcBef>
-              <a:spcAft>
-                <a:spcPts val="0"/>
-              </a:spcAft>
-              <a:buNone/>
-            </a:pPr>
-            <a:r>
-              <a:t/>
-            </a:r>
-            <a:endParaRPr sz="1800">
-              <a:solidFill>
-                <a:schemeClr val="lt1"/>
-              </a:solidFill>
-            </a:endParaRPr>
-          </a:p>
-          <a:p>
-            <a:pPr indent="-342900" lvl="0" marL="457200" rtl="0" algn="l">
-              <a:spcBef>
-                <a:spcPts val="0"/>
-              </a:spcBef>
-              <a:spcAft>
-                <a:spcPts val="0"/>
-              </a:spcAft>
-              <a:buClr>
-                <a:schemeClr val="lt1"/>
-              </a:buClr>
-              <a:buSzPts val="1800"/>
-              <a:buChar char="-"/>
-            </a:pPr>
-            <a:r>
-              <a:rPr lang="en" sz="1800">
-                <a:solidFill>
-                  <a:schemeClr val="lt1"/>
-                </a:solidFill>
-              </a:rPr>
-              <a:t>Good ecosystem with Dataflow and BigQuery</a:t>
             </a:r>
             <a:endParaRPr sz="1800">
               <a:solidFill>
@@ -23023,7 +23544,7 @@
                 <a:spcPts val="0"/>
               </a:spcAft>
               <a:buClr>
-                <a:schemeClr val="lt1"/>
+                <a:srgbClr val="00B679"/>
               </a:buClr>
               <a:buSzPts val="1800"/>
               <a:buChar char="-"/>
@@ -23031,14 +23552,14 @@
             <a:r>
               <a:rPr lang="en" sz="1800">
                 <a:solidFill>
-                  <a:schemeClr val="lt1"/>
+                  <a:srgbClr val="00B679"/>
                 </a:solidFill>
               </a:rPr>
               <a:t>Train multiple models in parallel</a:t>
             </a:r>
             <a:endParaRPr sz="1800">
               <a:solidFill>
-                <a:schemeClr val="lt1"/>
+                <a:srgbClr val="00B679"/>
               </a:solidFill>
             </a:endParaRPr>
           </a:p>
@@ -23065,25 +23586,14 @@
               <a:spcAft>
                 <a:spcPts val="0"/>
               </a:spcAft>
-              <a:buClr>
-                <a:srgbClr val="00B679"/>
-              </a:buClr>
               <a:buSzPts val="1800"/>
               <a:buChar char="-"/>
             </a:pPr>
             <a:r>
-              <a:rPr lang="en" sz="1800">
-                <a:solidFill>
-                  <a:srgbClr val="00B679"/>
-                </a:solidFill>
-              </a:rPr>
+              <a:rPr lang="en" sz="1800"/>
               <a:t>Easy access to powerful computers</a:t>
             </a:r>
-            <a:endParaRPr sz="1800">
-              <a:solidFill>
-                <a:srgbClr val="00B679"/>
-              </a:solidFill>
-            </a:endParaRPr>
+            <a:endParaRPr sz="1800"/>
           </a:p>
           <a:p>
             <a:pPr indent="0" lvl="0" marL="457200" rtl="0" algn="l">
@@ -23313,15 +23823,7 @@
                   <a:schemeClr val="lt1"/>
                 </a:solidFill>
               </a:rPr>
-              <a:t>Train multiple models </a:t>
-            </a:r>
-            <a:r>
-              <a:rPr lang="en" sz="1800">
-                <a:solidFill>
-                  <a:schemeClr val="lt1"/>
-                </a:solidFill>
-              </a:rPr>
-              <a:t>in parallel</a:t>
+              <a:t>Train multiple models in parallel</a:t>
             </a:r>
             <a:endParaRPr sz="1800">
               <a:solidFill>
@@ -23352,14 +23854,25 @@
               <a:spcAft>
                 <a:spcPts val="0"/>
               </a:spcAft>
+              <a:buClr>
+                <a:srgbClr val="00B679"/>
+              </a:buClr>
               <a:buSzPts val="1800"/>
               <a:buChar char="-"/>
             </a:pPr>
             <a:r>
-              <a:rPr lang="en" sz="1800"/>
+              <a:rPr lang="en" sz="1800">
+                <a:solidFill>
+                  <a:srgbClr val="00B679"/>
+                </a:solidFill>
+              </a:rPr>
               <a:t>Easy access to powerful computers</a:t>
             </a:r>
-            <a:endParaRPr sz="1800"/>
+            <a:endParaRPr sz="1800">
+              <a:solidFill>
+                <a:srgbClr val="00B679"/>
+              </a:solidFill>
+            </a:endParaRPr>
           </a:p>
           <a:p>
             <a:pPr indent="0" lvl="0" marL="457200" rtl="0" algn="l">
@@ -23384,25 +23897,14 @@
               <a:spcAft>
                 <a:spcPts val="0"/>
               </a:spcAft>
-              <a:buClr>
-                <a:srgbClr val="00B679"/>
-              </a:buClr>
               <a:buSzPts val="1800"/>
               <a:buChar char="-"/>
             </a:pPr>
             <a:r>
-              <a:rPr lang="en" sz="1800">
-                <a:solidFill>
-                  <a:srgbClr val="00B679"/>
-                </a:solidFill>
-              </a:rPr>
+              <a:rPr lang="en" sz="1800"/>
               <a:t>Easy to deploy and maintain models</a:t>
             </a:r>
-            <a:endParaRPr sz="1800">
-              <a:solidFill>
-                <a:srgbClr val="00B679"/>
-              </a:solidFill>
-            </a:endParaRPr>
+            <a:endParaRPr sz="1800"/>
           </a:p>
           <a:p>
             <a:pPr indent="0" lvl="0" marL="0" rtl="0" algn="l">
@@ -23671,14 +24173,25 @@
               <a:spcAft>
                 <a:spcPts val="0"/>
               </a:spcAft>
+              <a:buClr>
+                <a:srgbClr val="00B679"/>
+              </a:buClr>
               <a:buSzPts val="1800"/>
               <a:buChar char="-"/>
             </a:pPr>
             <a:r>
-              <a:rPr lang="en" sz="1800"/>
+              <a:rPr lang="en" sz="1800">
+                <a:solidFill>
+                  <a:srgbClr val="00B679"/>
+                </a:solidFill>
+              </a:rPr>
               <a:t>Easy to deploy and maintain models</a:t>
             </a:r>
-            <a:endParaRPr sz="1800"/>
+            <a:endParaRPr sz="1800">
+              <a:solidFill>
+                <a:srgbClr val="00B679"/>
+              </a:solidFill>
+            </a:endParaRPr>
           </a:p>
           <a:p>
             <a:pPr indent="0" lvl="0" marL="0" rtl="0" algn="l">
@@ -23703,23 +24216,20 @@
               <a:spcAft>
                 <a:spcPts val="0"/>
               </a:spcAft>
-              <a:buClr>
-                <a:srgbClr val="00B679"/>
-              </a:buClr>
               <a:buSzPts val="1800"/>
               <a:buChar char="-"/>
             </a:pPr>
             <a:r>
               <a:rPr lang="en" sz="1800">
                 <a:solidFill>
-                  <a:srgbClr val="00B679"/>
+                  <a:schemeClr val="lt1"/>
                 </a:solidFill>
               </a:rPr>
               <a:t>Hyperparameter optimization</a:t>
             </a:r>
             <a:endParaRPr sz="1800">
               <a:solidFill>
-                <a:srgbClr val="00B679"/>
+                <a:schemeClr val="lt1"/>
               </a:solidFill>
             </a:endParaRPr>
           </a:p>
@@ -23982,20 +24492,23 @@
               <a:spcAft>
                 <a:spcPts val="0"/>
               </a:spcAft>
+              <a:buClr>
+                <a:srgbClr val="00B679"/>
+              </a:buClr>
               <a:buSzPts val="1800"/>
               <a:buChar char="-"/>
             </a:pPr>
             <a:r>
               <a:rPr lang="en" sz="1800">
                 <a:solidFill>
-                  <a:schemeClr val="lt1"/>
+                  <a:srgbClr val="00B679"/>
                 </a:solidFill>
               </a:rPr>
               <a:t>Hyperparameter optimization</a:t>
             </a:r>
             <a:endParaRPr sz="1800">
               <a:solidFill>
-                <a:schemeClr val="lt1"/>
+                <a:srgbClr val="00B679"/>
               </a:solidFill>
             </a:endParaRPr>
           </a:p>
@@ -24027,7 +24540,7 @@
                 <a:spcPts val="0"/>
               </a:spcAft>
               <a:buClr>
-                <a:srgbClr val="00B679"/>
+                <a:schemeClr val="lt1"/>
               </a:buClr>
               <a:buSzPts val="1800"/>
               <a:buChar char="-"/>
@@ -24035,14 +24548,14 @@
             <a:r>
               <a:rPr lang="en" sz="1800">
                 <a:solidFill>
-                  <a:srgbClr val="00B679"/>
+                  <a:schemeClr val="lt1"/>
                 </a:solidFill>
               </a:rPr>
               <a:t>Good ecosystem with Dataflow and BigQuery</a:t>
             </a:r>
             <a:endParaRPr sz="1800">
               <a:solidFill>
-                <a:srgbClr val="00B679"/>
+                <a:schemeClr val="lt1"/>
               </a:solidFill>
             </a:endParaRPr>
           </a:p>
